--- a/mobile/ICP-presentation/ICP-Presentation-2.pptx
+++ b/mobile/ICP-presentation/ICP-Presentation-2.pptx
@@ -5,18 +5,20 @@
     <p:sldMasterId id="2147483648" r:id="rId1"/>
   </p:sldMasterIdLst>
   <p:notesMasterIdLst>
-    <p:notesMasterId r:id="rId11"/>
+    <p:notesMasterId r:id="rId13"/>
   </p:notesMasterIdLst>
   <p:sldIdLst>
     <p:sldId id="258" r:id="rId2"/>
     <p:sldId id="259" r:id="rId3"/>
-    <p:sldId id="261" r:id="rId4"/>
-    <p:sldId id="263" r:id="rId5"/>
-    <p:sldId id="264" r:id="rId6"/>
-    <p:sldId id="265" r:id="rId7"/>
-    <p:sldId id="266" r:id="rId8"/>
-    <p:sldId id="268" r:id="rId9"/>
-    <p:sldId id="267" r:id="rId10"/>
+    <p:sldId id="269" r:id="rId4"/>
+    <p:sldId id="261" r:id="rId5"/>
+    <p:sldId id="263" r:id="rId6"/>
+    <p:sldId id="264" r:id="rId7"/>
+    <p:sldId id="265" r:id="rId8"/>
+    <p:sldId id="266" r:id="rId9"/>
+    <p:sldId id="268" r:id="rId10"/>
+    <p:sldId id="270" r:id="rId11"/>
+    <p:sldId id="267" r:id="rId12"/>
   </p:sldIdLst>
   <p:sldSz cx="12192000" cy="6858000"/>
   <p:notesSz cx="6858000" cy="9144000"/>
@@ -4563,6 +4565,694 @@
 </p:sld>
 </file>
 
+<file path=ppt/slides/slide10.xml><?xml version="1.0" encoding="utf-8"?>
+<p:sld xmlns:a="http://schemas.openxmlformats.org/drawingml/2006/main" xmlns:r="http://schemas.openxmlformats.org/officeDocument/2006/relationships" xmlns:p="http://schemas.openxmlformats.org/presentationml/2006/main">
+  <p:cSld>
+    <p:spTree>
+      <p:nvGrpSpPr>
+        <p:cNvPr id="1" name=""/>
+        <p:cNvGrpSpPr/>
+        <p:nvPr/>
+      </p:nvGrpSpPr>
+      <p:grpSpPr>
+        <a:xfrm>
+          <a:off x="0" y="0"/>
+          <a:ext cx="0" cy="0"/>
+          <a:chOff x="0" y="0"/>
+          <a:chExt cx="0" cy="0"/>
+        </a:xfrm>
+      </p:grpSpPr>
+      <p:sp>
+        <p:nvSpPr>
+          <p:cNvPr id="2" name="Title 1">
+            <a:extLst>
+              <a:ext uri="{FF2B5EF4-FFF2-40B4-BE49-F238E27FC236}">
+                <a16:creationId xmlns:a16="http://schemas.microsoft.com/office/drawing/2014/main" id="{95E26FB5-116B-E740-AA52-7956FA6EE414}"/>
+              </a:ext>
+            </a:extLst>
+          </p:cNvPr>
+          <p:cNvSpPr>
+            <a:spLocks noGrp="1"/>
+          </p:cNvSpPr>
+          <p:nvPr>
+            <p:ph type="title"/>
+          </p:nvPr>
+        </p:nvSpPr>
+        <p:spPr>
+          <a:xfrm>
+            <a:off x="581192" y="702156"/>
+            <a:ext cx="11029616" cy="1013800"/>
+          </a:xfrm>
+        </p:spPr>
+        <p:txBody>
+          <a:bodyPr>
+            <a:normAutofit/>
+          </a:bodyPr>
+          <a:lstStyle/>
+          <a:p>
+            <a:r>
+              <a:rPr lang="en-US" dirty="0">
+                <a:solidFill>
+                  <a:schemeClr val="accent2"/>
+                </a:solidFill>
+              </a:rPr>
+              <a:t>Conclusion</a:t>
+            </a:r>
+          </a:p>
+        </p:txBody>
+      </p:sp>
+      <p:sp>
+        <p:nvSpPr>
+          <p:cNvPr id="3" name="TextBox 2">
+            <a:extLst>
+              <a:ext uri="{FF2B5EF4-FFF2-40B4-BE49-F238E27FC236}">
+                <a16:creationId xmlns:a16="http://schemas.microsoft.com/office/drawing/2014/main" id="{906C37B6-21BD-97AB-0F36-6E624F3A6954}"/>
+              </a:ext>
+            </a:extLst>
+          </p:cNvPr>
+          <p:cNvSpPr txBox="1"/>
+          <p:nvPr/>
+        </p:nvSpPr>
+        <p:spPr>
+          <a:xfrm>
+            <a:off x="581192" y="2413337"/>
+            <a:ext cx="11029616" cy="2308324"/>
+          </a:xfrm>
+          <a:prstGeom prst="rect">
+            <a:avLst/>
+          </a:prstGeom>
+          <a:noFill/>
+        </p:spPr>
+        <p:txBody>
+          <a:bodyPr wrap="square" rtlCol="0">
+            <a:spAutoFit/>
+          </a:bodyPr>
+          <a:lstStyle/>
+          <a:p>
+            <a:r>
+              <a:rPr lang="en-US" dirty="0"/>
+              <a:t>By completing the above ICPs we have learnt:</a:t>
+            </a:r>
+          </a:p>
+          <a:p>
+            <a:pPr marL="285750" lvl="0" indent="-285750">
+              <a:buFont typeface="Arial" panose="020B0604020202020204" pitchFamily="34" charset="0"/>
+              <a:buChar char="•"/>
+            </a:pPr>
+            <a:r>
+              <a:rPr lang="en-US" dirty="0"/>
+              <a:t>Develop an android application using android studio. </a:t>
+            </a:r>
+          </a:p>
+          <a:p>
+            <a:pPr marL="285750" lvl="0" indent="-285750">
+              <a:buFont typeface="Arial" panose="020B0604020202020204" pitchFamily="34" charset="0"/>
+              <a:buChar char="•"/>
+            </a:pPr>
+            <a:r>
+              <a:rPr lang="en-US" dirty="0"/>
+              <a:t>The project structure followed i.e., </a:t>
+            </a:r>
+            <a:r>
+              <a:rPr lang="en-US" dirty="0" err="1"/>
+              <a:t>activity_main.xml</a:t>
+            </a:r>
+            <a:r>
+              <a:rPr lang="en-US" dirty="0"/>
+              <a:t> for design, </a:t>
+            </a:r>
+            <a:r>
+              <a:rPr lang="en-US" dirty="0" err="1"/>
+              <a:t>MainAcitity.java</a:t>
+            </a:r>
+            <a:r>
+              <a:rPr lang="en-US" dirty="0"/>
+              <a:t> for functionality and manifest file for meta data.</a:t>
+            </a:r>
+          </a:p>
+          <a:p>
+            <a:pPr marL="285750" lvl="0" indent="-285750">
+              <a:buFont typeface="Arial" panose="020B0604020202020204" pitchFamily="34" charset="0"/>
+              <a:buChar char="•"/>
+            </a:pPr>
+            <a:r>
+              <a:rPr lang="en-US" dirty="0"/>
+              <a:t>Redirect from one activity intent to another.</a:t>
+            </a:r>
+          </a:p>
+          <a:p>
+            <a:pPr marL="285750" lvl="0" indent="-285750">
+              <a:buFont typeface="Arial" panose="020B0604020202020204" pitchFamily="34" charset="0"/>
+              <a:buChar char="•"/>
+            </a:pPr>
+            <a:r>
+              <a:rPr lang="en-US" dirty="0"/>
+              <a:t>Access APIs using retrofit.</a:t>
+            </a:r>
+          </a:p>
+          <a:p>
+            <a:pPr marL="285750" lvl="0" indent="-285750">
+              <a:buFont typeface="Arial" panose="020B0604020202020204" pitchFamily="34" charset="0"/>
+              <a:buChar char="•"/>
+            </a:pPr>
+            <a:r>
+              <a:rPr lang="en-US" dirty="0"/>
+              <a:t>To grant user permission to access hardware components like mic and speakers and interact with them.</a:t>
+            </a:r>
+          </a:p>
+          <a:p>
+            <a:endParaRPr lang="en-US" dirty="0"/>
+          </a:p>
+        </p:txBody>
+      </p:sp>
+    </p:spTree>
+    <p:extLst>
+      <p:ext uri="{BB962C8B-B14F-4D97-AF65-F5344CB8AC3E}">
+        <p14:creationId xmlns:p14="http://schemas.microsoft.com/office/powerpoint/2010/main" val="911119386"/>
+      </p:ext>
+    </p:extLst>
+  </p:cSld>
+  <p:clrMapOvr>
+    <a:masterClrMapping/>
+  </p:clrMapOvr>
+</p:sld>
+</file>
+
+<file path=ppt/slides/slide11.xml><?xml version="1.0" encoding="utf-8"?>
+<p:sld xmlns:a="http://schemas.openxmlformats.org/drawingml/2006/main" xmlns:r="http://schemas.openxmlformats.org/officeDocument/2006/relationships" xmlns:p="http://schemas.openxmlformats.org/presentationml/2006/main">
+  <p:cSld>
+    <p:bg>
+      <p:bgPr>
+        <a:solidFill>
+          <a:schemeClr val="bg1"/>
+        </a:solidFill>
+        <a:effectLst/>
+      </p:bgPr>
+    </p:bg>
+    <p:spTree>
+      <p:nvGrpSpPr>
+        <p:cNvPr id="1" name=""/>
+        <p:cNvGrpSpPr/>
+        <p:nvPr/>
+      </p:nvGrpSpPr>
+      <p:grpSpPr>
+        <a:xfrm>
+          <a:off x="0" y="0"/>
+          <a:ext cx="0" cy="0"/>
+          <a:chOff x="0" y="0"/>
+          <a:chExt cx="0" cy="0"/>
+        </a:xfrm>
+      </p:grpSpPr>
+      <p:sp>
+        <p:nvSpPr>
+          <p:cNvPr id="8" name="Rectangle 7">
+            <a:extLst>
+              <a:ext uri="{FF2B5EF4-FFF2-40B4-BE49-F238E27FC236}">
+                <a16:creationId xmlns:a16="http://schemas.microsoft.com/office/drawing/2014/main" id="{3018A306-443B-4844-9884-D3E2C3B37171}"/>
+              </a:ext>
+              <a:ext uri="{C183D7F6-B498-43B3-948B-1728B52AA6E4}">
+                <adec:decorative xmlns:adec="http://schemas.microsoft.com/office/drawing/2017/decorative" val="1"/>
+              </a:ext>
+            </a:extLst>
+          </p:cNvPr>
+          <p:cNvSpPr>
+            <a:spLocks noGrp="1" noRot="1" noChangeAspect="1" noMove="1" noResize="1" noEditPoints="1" noAdjustHandles="1" noChangeArrowheads="1" noChangeShapeType="1" noTextEdit="1"/>
+          </p:cNvSpPr>
+          <p:nvPr>
+            <p:extLst>
+              <p:ext uri="{386F3935-93C4-4BCD-93E2-E3B085C9AB24}">
+                <p16:designElem xmlns:p16="http://schemas.microsoft.com/office/powerpoint/2015/main" val="1"/>
+              </p:ext>
+            </p:extLst>
+          </p:nvPr>
+        </p:nvSpPr>
+        <p:spPr>
+          <a:xfrm>
+            <a:off x="446534" y="457200"/>
+            <a:ext cx="3703320" cy="94997"/>
+          </a:xfrm>
+          <a:prstGeom prst="rect">
+            <a:avLst/>
+          </a:prstGeom>
+          <a:solidFill>
+            <a:schemeClr val="accent1"/>
+          </a:solidFill>
+          <a:ln>
+            <a:noFill/>
+          </a:ln>
+          <a:effectLst/>
+        </p:spPr>
+        <p:style>
+          <a:lnRef idx="1">
+            <a:schemeClr val="accent1"/>
+          </a:lnRef>
+          <a:fillRef idx="3">
+            <a:schemeClr val="accent1"/>
+          </a:fillRef>
+          <a:effectRef idx="2">
+            <a:schemeClr val="accent1"/>
+          </a:effectRef>
+          <a:fontRef idx="minor">
+            <a:schemeClr val="lt1"/>
+          </a:fontRef>
+        </p:style>
+      </p:sp>
+      <p:sp>
+        <p:nvSpPr>
+          <p:cNvPr id="10" name="Rectangle 9">
+            <a:extLst>
+              <a:ext uri="{FF2B5EF4-FFF2-40B4-BE49-F238E27FC236}">
+                <a16:creationId xmlns:a16="http://schemas.microsoft.com/office/drawing/2014/main" id="{3F430D2A-93AA-410C-B1BB-98FEA2990778}"/>
+              </a:ext>
+              <a:ext uri="{C183D7F6-B498-43B3-948B-1728B52AA6E4}">
+                <adec:decorative xmlns:adec="http://schemas.microsoft.com/office/drawing/2017/decorative" val="1"/>
+              </a:ext>
+            </a:extLst>
+          </p:cNvPr>
+          <p:cNvSpPr>
+            <a:spLocks noGrp="1" noRot="1" noChangeAspect="1" noMove="1" noResize="1" noEditPoints="1" noAdjustHandles="1" noChangeArrowheads="1" noChangeShapeType="1" noTextEdit="1"/>
+          </p:cNvSpPr>
+          <p:nvPr>
+            <p:extLst>
+              <p:ext uri="{386F3935-93C4-4BCD-93E2-E3B085C9AB24}">
+                <p16:designElem xmlns:p16="http://schemas.microsoft.com/office/powerpoint/2015/main" val="1"/>
+              </p:ext>
+            </p:extLst>
+          </p:nvPr>
+        </p:nvSpPr>
+        <p:spPr>
+          <a:xfrm>
+            <a:off x="8042147" y="453643"/>
+            <a:ext cx="3703320" cy="98554"/>
+          </a:xfrm>
+          <a:prstGeom prst="rect">
+            <a:avLst/>
+          </a:prstGeom>
+          <a:solidFill>
+            <a:schemeClr val="accent4"/>
+          </a:solidFill>
+          <a:ln>
+            <a:noFill/>
+          </a:ln>
+          <a:effectLst/>
+        </p:spPr>
+        <p:style>
+          <a:lnRef idx="1">
+            <a:schemeClr val="accent1"/>
+          </a:lnRef>
+          <a:fillRef idx="3">
+            <a:schemeClr val="accent1"/>
+          </a:fillRef>
+          <a:effectRef idx="2">
+            <a:schemeClr val="accent1"/>
+          </a:effectRef>
+          <a:fontRef idx="minor">
+            <a:schemeClr val="lt1"/>
+          </a:fontRef>
+        </p:style>
+      </p:sp>
+      <p:sp>
+        <p:nvSpPr>
+          <p:cNvPr id="12" name="Rectangle 11">
+            <a:extLst>
+              <a:ext uri="{FF2B5EF4-FFF2-40B4-BE49-F238E27FC236}">
+                <a16:creationId xmlns:a16="http://schemas.microsoft.com/office/drawing/2014/main" id="{9A0EF52A-1A39-47D8-AA03-47A1C47BE33A}"/>
+              </a:ext>
+              <a:ext uri="{C183D7F6-B498-43B3-948B-1728B52AA6E4}">
+                <adec:decorative xmlns:adec="http://schemas.microsoft.com/office/drawing/2017/decorative" val="1"/>
+              </a:ext>
+            </a:extLst>
+          </p:cNvPr>
+          <p:cNvSpPr>
+            <a:spLocks noGrp="1" noRot="1" noChangeAspect="1" noMove="1" noResize="1" noEditPoints="1" noAdjustHandles="1" noChangeArrowheads="1" noChangeShapeType="1" noTextEdit="1"/>
+          </p:cNvSpPr>
+          <p:nvPr>
+            <p:extLst>
+              <p:ext uri="{386F3935-93C4-4BCD-93E2-E3B085C9AB24}">
+                <p16:designElem xmlns:p16="http://schemas.microsoft.com/office/powerpoint/2015/main" val="1"/>
+              </p:ext>
+            </p:extLst>
+          </p:nvPr>
+        </p:nvSpPr>
+        <p:spPr>
+          <a:xfrm>
+            <a:off x="4241830" y="457200"/>
+            <a:ext cx="3703320" cy="91440"/>
+          </a:xfrm>
+          <a:prstGeom prst="rect">
+            <a:avLst/>
+          </a:prstGeom>
+          <a:solidFill>
+            <a:schemeClr val="accent2"/>
+          </a:solidFill>
+          <a:ln>
+            <a:noFill/>
+          </a:ln>
+          <a:effectLst/>
+        </p:spPr>
+        <p:style>
+          <a:lnRef idx="1">
+            <a:schemeClr val="accent1"/>
+          </a:lnRef>
+          <a:fillRef idx="3">
+            <a:schemeClr val="accent1"/>
+          </a:fillRef>
+          <a:effectRef idx="2">
+            <a:schemeClr val="accent1"/>
+          </a:effectRef>
+          <a:fontRef idx="minor">
+            <a:schemeClr val="lt1"/>
+          </a:fontRef>
+        </p:style>
+      </p:sp>
+      <p:sp>
+        <p:nvSpPr>
+          <p:cNvPr id="14" name="Rectangle 13">
+            <a:extLst>
+              <a:ext uri="{FF2B5EF4-FFF2-40B4-BE49-F238E27FC236}">
+                <a16:creationId xmlns:a16="http://schemas.microsoft.com/office/drawing/2014/main" id="{896DE2E2-8696-47C1-8B42-A04B409BCF6C}"/>
+              </a:ext>
+              <a:ext uri="{C183D7F6-B498-43B3-948B-1728B52AA6E4}">
+                <adec:decorative xmlns:adec="http://schemas.microsoft.com/office/drawing/2017/decorative" val="1"/>
+              </a:ext>
+            </a:extLst>
+          </p:cNvPr>
+          <p:cNvSpPr>
+            <a:spLocks noGrp="1" noRot="1" noChangeAspect="1" noMove="1" noResize="1" noEditPoints="1" noAdjustHandles="1" noChangeArrowheads="1" noChangeShapeType="1" noTextEdit="1"/>
+          </p:cNvSpPr>
+          <p:nvPr>
+            <p:extLst>
+              <p:ext uri="{386F3935-93C4-4BCD-93E2-E3B085C9AB24}">
+                <p16:designElem xmlns:p16="http://schemas.microsoft.com/office/powerpoint/2015/main" val="1"/>
+              </p:ext>
+            </p:extLst>
+          </p:nvPr>
+        </p:nvSpPr>
+        <p:spPr>
+          <a:xfrm>
+            <a:off x="446534" y="3085765"/>
+            <a:ext cx="11262866" cy="3304800"/>
+          </a:xfrm>
+          <a:prstGeom prst="rect">
+            <a:avLst/>
+          </a:prstGeom>
+          <a:solidFill>
+            <a:schemeClr val="accent1"/>
+          </a:solidFill>
+          <a:ln>
+            <a:noFill/>
+          </a:ln>
+          <a:effectLst/>
+        </p:spPr>
+        <p:style>
+          <a:lnRef idx="1">
+            <a:schemeClr val="accent1"/>
+          </a:lnRef>
+          <a:fillRef idx="3">
+            <a:schemeClr val="accent1"/>
+          </a:fillRef>
+          <a:effectRef idx="2">
+            <a:schemeClr val="accent1"/>
+          </a:effectRef>
+          <a:fontRef idx="minor">
+            <a:schemeClr val="lt1"/>
+          </a:fontRef>
+        </p:style>
+      </p:sp>
+      <p:sp useBgFill="1">
+        <p:nvSpPr>
+          <p:cNvPr id="16" name="Rectangle 15">
+            <a:extLst>
+              <a:ext uri="{FF2B5EF4-FFF2-40B4-BE49-F238E27FC236}">
+                <a16:creationId xmlns:a16="http://schemas.microsoft.com/office/drawing/2014/main" id="{9DD60C94-0C9C-47B7-BE88-045235ACCC6A}"/>
+              </a:ext>
+              <a:ext uri="{C183D7F6-B498-43B3-948B-1728B52AA6E4}">
+                <adec:decorative xmlns:adec="http://schemas.microsoft.com/office/drawing/2017/decorative" val="1"/>
+              </a:ext>
+            </a:extLst>
+          </p:cNvPr>
+          <p:cNvSpPr>
+            <a:spLocks noGrp="1" noRot="1" noChangeAspect="1" noMove="1" noResize="1" noEditPoints="1" noAdjustHandles="1" noChangeArrowheads="1" noChangeShapeType="1" noTextEdit="1"/>
+          </p:cNvSpPr>
+          <p:nvPr>
+            <p:extLst>
+              <p:ext uri="{386F3935-93C4-4BCD-93E2-E3B085C9AB24}">
+                <p16:designElem xmlns:p16="http://schemas.microsoft.com/office/powerpoint/2015/main" val="1"/>
+              </p:ext>
+            </p:extLst>
+          </p:nvPr>
+        </p:nvSpPr>
+        <p:spPr>
+          <a:xfrm>
+            <a:off x="0" y="0"/>
+            <a:ext cx="12192000" cy="6858000"/>
+          </a:xfrm>
+          <a:prstGeom prst="rect">
+            <a:avLst/>
+          </a:prstGeom>
+          <a:ln>
+            <a:noFill/>
+          </a:ln>
+        </p:spPr>
+        <p:style>
+          <a:lnRef idx="2">
+            <a:schemeClr val="accent1">
+              <a:shade val="50000"/>
+            </a:schemeClr>
+          </a:lnRef>
+          <a:fillRef idx="1">
+            <a:schemeClr val="accent1"/>
+          </a:fillRef>
+          <a:effectRef idx="0">
+            <a:schemeClr val="accent1"/>
+          </a:effectRef>
+          <a:fontRef idx="minor">
+            <a:schemeClr val="lt1"/>
+          </a:fontRef>
+        </p:style>
+        <p:txBody>
+          <a:bodyPr rtlCol="0" anchor="ctr"/>
+          <a:lstStyle/>
+          <a:p>
+            <a:pPr algn="ctr"/>
+            <a:endParaRPr lang="en-US"/>
+          </a:p>
+        </p:txBody>
+      </p:sp>
+      <p:sp>
+        <p:nvSpPr>
+          <p:cNvPr id="2" name="Title 1">
+            <a:extLst>
+              <a:ext uri="{FF2B5EF4-FFF2-40B4-BE49-F238E27FC236}">
+                <a16:creationId xmlns:a16="http://schemas.microsoft.com/office/drawing/2014/main" id="{813764A3-E440-EB4F-B321-B2D177D9CA2B}"/>
+              </a:ext>
+            </a:extLst>
+          </p:cNvPr>
+          <p:cNvSpPr>
+            <a:spLocks noGrp="1"/>
+          </p:cNvSpPr>
+          <p:nvPr>
+            <p:ph type="title"/>
+          </p:nvPr>
+        </p:nvSpPr>
+        <p:spPr>
+          <a:xfrm>
+            <a:off x="3643086" y="1575121"/>
+            <a:ext cx="4771709" cy="3654081"/>
+          </a:xfrm>
+        </p:spPr>
+        <p:txBody>
+          <a:bodyPr vert="horz" lIns="91440" tIns="45720" rIns="91440" bIns="45720" rtlCol="0" anchor="ctr">
+            <a:normAutofit/>
+          </a:bodyPr>
+          <a:lstStyle/>
+          <a:p>
+            <a:r>
+              <a:rPr lang="en-US" sz="5400" dirty="0">
+                <a:solidFill>
+                  <a:schemeClr val="tx2"/>
+                </a:solidFill>
+              </a:rPr>
+              <a:t>Thank you!</a:t>
+            </a:r>
+          </a:p>
+        </p:txBody>
+      </p:sp>
+      <p:sp>
+        <p:nvSpPr>
+          <p:cNvPr id="18" name="Rectangle 17">
+            <a:extLst>
+              <a:ext uri="{FF2B5EF4-FFF2-40B4-BE49-F238E27FC236}">
+                <a16:creationId xmlns:a16="http://schemas.microsoft.com/office/drawing/2014/main" id="{BFCF7016-AC99-433F-B943-24C3736E0602}"/>
+              </a:ext>
+              <a:ext uri="{C183D7F6-B498-43B3-948B-1728B52AA6E4}">
+                <adec:decorative xmlns:adec="http://schemas.microsoft.com/office/drawing/2017/decorative" val="1"/>
+              </a:ext>
+            </a:extLst>
+          </p:cNvPr>
+          <p:cNvSpPr>
+            <a:spLocks noGrp="1" noRot="1" noChangeAspect="1" noMove="1" noResize="1" noEditPoints="1" noAdjustHandles="1" noChangeArrowheads="1" noChangeShapeType="1" noTextEdit="1"/>
+          </p:cNvSpPr>
+          <p:nvPr>
+            <p:extLst>
+              <p:ext uri="{386F3935-93C4-4BCD-93E2-E3B085C9AB24}">
+                <p16:designElem xmlns:p16="http://schemas.microsoft.com/office/powerpoint/2015/main" val="1"/>
+              </p:ext>
+            </p:extLst>
+          </p:nvPr>
+        </p:nvSpPr>
+        <p:spPr>
+          <a:xfrm>
+            <a:off x="446533" y="457200"/>
+            <a:ext cx="7579574" cy="643614"/>
+          </a:xfrm>
+          <a:prstGeom prst="rect">
+            <a:avLst/>
+          </a:prstGeom>
+          <a:solidFill>
+            <a:schemeClr val="accent2"/>
+          </a:solidFill>
+          <a:ln>
+            <a:noFill/>
+          </a:ln>
+          <a:effectLst/>
+        </p:spPr>
+        <p:style>
+          <a:lnRef idx="1">
+            <a:schemeClr val="accent1"/>
+          </a:lnRef>
+          <a:fillRef idx="3">
+            <a:schemeClr val="accent1"/>
+          </a:fillRef>
+          <a:effectRef idx="2">
+            <a:schemeClr val="accent1"/>
+          </a:effectRef>
+          <a:fontRef idx="minor">
+            <a:schemeClr val="lt1"/>
+          </a:fontRef>
+        </p:style>
+      </p:sp>
+      <p:sp>
+        <p:nvSpPr>
+          <p:cNvPr id="20" name="Rectangle 19">
+            <a:extLst>
+              <a:ext uri="{FF2B5EF4-FFF2-40B4-BE49-F238E27FC236}">
+                <a16:creationId xmlns:a16="http://schemas.microsoft.com/office/drawing/2014/main" id="{A03737D1-A930-4E3E-9160-3CD4AEC72AB7}"/>
+              </a:ext>
+              <a:ext uri="{C183D7F6-B498-43B3-948B-1728B52AA6E4}">
+                <adec:decorative xmlns:adec="http://schemas.microsoft.com/office/drawing/2017/decorative" val="1"/>
+              </a:ext>
+            </a:extLst>
+          </p:cNvPr>
+          <p:cNvSpPr>
+            <a:spLocks noGrp="1" noRot="1" noChangeAspect="1" noMove="1" noResize="1" noEditPoints="1" noAdjustHandles="1" noChangeArrowheads="1" noChangeShapeType="1" noTextEdit="1"/>
+          </p:cNvSpPr>
+          <p:nvPr>
+            <p:extLst>
+              <p:ext uri="{386F3935-93C4-4BCD-93E2-E3B085C9AB24}">
+                <p16:designElem xmlns:p16="http://schemas.microsoft.com/office/powerpoint/2015/main" val="1"/>
+              </p:ext>
+            </p:extLst>
+          </p:nvPr>
+        </p:nvSpPr>
+        <p:spPr>
+          <a:xfrm>
+            <a:off x="8129871" y="453642"/>
+            <a:ext cx="3615596" cy="645113"/>
+          </a:xfrm>
+          <a:prstGeom prst="rect">
+            <a:avLst/>
+          </a:prstGeom>
+          <a:solidFill>
+            <a:schemeClr val="accent4"/>
+          </a:solidFill>
+          <a:ln>
+            <a:noFill/>
+          </a:ln>
+          <a:effectLst/>
+        </p:spPr>
+        <p:style>
+          <a:lnRef idx="1">
+            <a:schemeClr val="accent1"/>
+          </a:lnRef>
+          <a:fillRef idx="3">
+            <a:schemeClr val="accent1"/>
+          </a:fillRef>
+          <a:effectRef idx="2">
+            <a:schemeClr val="accent1"/>
+          </a:effectRef>
+          <a:fontRef idx="minor">
+            <a:schemeClr val="lt1"/>
+          </a:fontRef>
+        </p:style>
+      </p:sp>
+      <p:sp>
+        <p:nvSpPr>
+          <p:cNvPr id="22" name="Rectangle 21">
+            <a:extLst>
+              <a:ext uri="{FF2B5EF4-FFF2-40B4-BE49-F238E27FC236}">
+                <a16:creationId xmlns:a16="http://schemas.microsoft.com/office/drawing/2014/main" id="{F71CFF33-010E-4E26-A285-83B182982358}"/>
+              </a:ext>
+              <a:ext uri="{C183D7F6-B498-43B3-948B-1728B52AA6E4}">
+                <adec:decorative xmlns:adec="http://schemas.microsoft.com/office/drawing/2017/decorative" val="1"/>
+              </a:ext>
+            </a:extLst>
+          </p:cNvPr>
+          <p:cNvSpPr>
+            <a:spLocks noGrp="1" noRot="1" noChangeAspect="1" noMove="1" noResize="1" noEditPoints="1" noAdjustHandles="1" noChangeArrowheads="1" noChangeShapeType="1" noTextEdit="1"/>
+          </p:cNvSpPr>
+          <p:nvPr>
+            <p:extLst>
+              <p:ext uri="{386F3935-93C4-4BCD-93E2-E3B085C9AB24}">
+                <p16:designElem xmlns:p16="http://schemas.microsoft.com/office/powerpoint/2015/main" val="1"/>
+              </p:ext>
+            </p:extLst>
+          </p:nvPr>
+        </p:nvSpPr>
+        <p:spPr>
+          <a:xfrm>
+            <a:off x="446533" y="5707627"/>
+            <a:ext cx="11293913" cy="649224"/>
+          </a:xfrm>
+          <a:prstGeom prst="rect">
+            <a:avLst/>
+          </a:prstGeom>
+          <a:solidFill>
+            <a:schemeClr val="accent1"/>
+          </a:solidFill>
+          <a:ln>
+            <a:noFill/>
+          </a:ln>
+          <a:effectLst/>
+        </p:spPr>
+        <p:style>
+          <a:lnRef idx="1">
+            <a:schemeClr val="accent1"/>
+          </a:lnRef>
+          <a:fillRef idx="3">
+            <a:schemeClr val="accent1"/>
+          </a:fillRef>
+          <a:effectRef idx="2">
+            <a:schemeClr val="accent1"/>
+          </a:effectRef>
+          <a:fontRef idx="minor">
+            <a:schemeClr val="lt1"/>
+          </a:fontRef>
+        </p:style>
+      </p:sp>
+    </p:spTree>
+    <p:extLst>
+      <p:ext uri="{BB962C8B-B14F-4D97-AF65-F5344CB8AC3E}">
+        <p14:creationId xmlns:p14="http://schemas.microsoft.com/office/powerpoint/2010/main" val="859930382"/>
+      </p:ext>
+    </p:extLst>
+  </p:cSld>
+  <p:clrMapOvr>
+    <a:masterClrMapping/>
+  </p:clrMapOvr>
+</p:sld>
+</file>
+
 <file path=ppt/slides/slide2.xml><?xml version="1.0" encoding="utf-8"?>
 <p:sld xmlns:a="http://schemas.openxmlformats.org/drawingml/2006/main" xmlns:r="http://schemas.openxmlformats.org/officeDocument/2006/relationships" xmlns:p="http://schemas.openxmlformats.org/presentationml/2006/main">
   <p:cSld>
@@ -4763,21 +5453,39 @@
           </a:bodyPr>
           <a:lstStyle/>
           <a:p>
-            <a:r>
-              <a:rPr lang="en-US" dirty="0"/>
-              <a:t>Android studio</a:t>
-            </a:r>
-          </a:p>
-          <a:p>
             <a:pPr marL="0" indent="0">
               <a:buNone/>
             </a:pPr>
             <a:r>
               <a:rPr lang="en-US" dirty="0"/>
+              <a:t>Introduction</a:t>
+            </a:r>
+          </a:p>
+          <a:p>
+            <a:r>
+              <a:rPr lang="en-US" dirty="0"/>
+              <a:t>Android studio</a:t>
+            </a:r>
+          </a:p>
+          <a:p>
+            <a:pPr marL="0" indent="0">
+              <a:buNone/>
+            </a:pPr>
+            <a:r>
+              <a:rPr lang="en-US" dirty="0"/>
               <a:t>Android Applications:</a:t>
             </a:r>
           </a:p>
           <a:p>
+            <a:pPr marL="0" indent="0">
+              <a:buNone/>
+            </a:pPr>
+            <a:r>
+              <a:rPr lang="en-US" dirty="0"/>
+              <a:t>Features:</a:t>
+            </a:r>
+          </a:p>
+          <a:p>
             <a:r>
               <a:rPr lang="en-US" dirty="0"/>
               <a:t>Login application</a:t>
@@ -4799,6 +5507,15 @@
             <a:r>
               <a:rPr lang="en-US" dirty="0"/>
               <a:t>Text to speech</a:t>
+            </a:r>
+          </a:p>
+          <a:p>
+            <a:pPr marL="0" indent="0">
+              <a:buNone/>
+            </a:pPr>
+            <a:r>
+              <a:rPr lang="en-US" dirty="0"/>
+              <a:t>Conclusion</a:t>
             </a:r>
           </a:p>
         </p:txBody>
@@ -4867,17 +5584,17 @@
                   <a:schemeClr val="accent2"/>
                 </a:solidFill>
               </a:rPr>
-              <a:t>ANDROID STUDIO</a:t>
-            </a:r>
-          </a:p>
-        </p:txBody>
-      </p:sp>
-      <p:sp>
-        <p:nvSpPr>
-          <p:cNvPr id="6" name="TextBox 5">
+              <a:t>introduction</a:t>
+            </a:r>
+          </a:p>
+        </p:txBody>
+      </p:sp>
+      <p:sp>
+        <p:nvSpPr>
+          <p:cNvPr id="5" name="TextBox 4">
             <a:extLst>
               <a:ext uri="{FF2B5EF4-FFF2-40B4-BE49-F238E27FC236}">
-                <a16:creationId xmlns:a16="http://schemas.microsoft.com/office/drawing/2014/main" id="{DD6E5672-6E1B-9642-8865-A20306ED21E1}"/>
+                <a16:creationId xmlns:a16="http://schemas.microsoft.com/office/drawing/2014/main" id="{9691725F-6280-71D1-BEBA-C26BA5357A2D}"/>
               </a:ext>
             </a:extLst>
           </p:cNvPr>
@@ -4886,8 +5603,8 @@
         </p:nvSpPr>
         <p:spPr>
           <a:xfrm>
-            <a:off x="6842696" y="2680662"/>
-            <a:ext cx="5027274" cy="2031325"/>
+            <a:off x="791571" y="3070747"/>
+            <a:ext cx="9475864" cy="2308324"/>
           </a:xfrm>
           <a:prstGeom prst="rect">
             <a:avLst/>
@@ -4900,19 +5617,25 @@
           </a:bodyPr>
           <a:lstStyle/>
           <a:p>
+            <a:r>
+              <a:rPr lang="en-US" b="1" dirty="0"/>
+              <a:t>Mobile development using android studio:</a:t>
+            </a:r>
+          </a:p>
+          <a:p>
+            <a:r>
+              <a:rPr lang="en-US" dirty="0"/>
+              <a:t>Developed following application</a:t>
+            </a:r>
+          </a:p>
+          <a:p>
             <a:pPr marL="285750" indent="-285750">
               <a:buFont typeface="Arial" panose="020B0604020202020204" pitchFamily="34" charset="0"/>
               <a:buChar char="•"/>
             </a:pPr>
             <a:r>
               <a:rPr lang="en-US" dirty="0"/>
-              <a:t>Android Studio is and IDE for developing </a:t>
-            </a:r>
-          </a:p>
-          <a:p>
-            <a:r>
-              <a:rPr lang="en-US" dirty="0"/>
-              <a:t>     Android applications.</a:t>
+              <a:t>Login application </a:t>
             </a:r>
           </a:p>
           <a:p>
@@ -4922,13 +5645,7 @@
             </a:pPr>
             <a:r>
               <a:rPr lang="en-US" dirty="0"/>
-              <a:t>Java and Kotlin are the popular languages used in</a:t>
-            </a:r>
-          </a:p>
-          <a:p>
-            <a:r>
-              <a:rPr lang="en-US" dirty="0"/>
-              <a:t>     Android development.</a:t>
+              <a:t>Pizza delivery application </a:t>
             </a:r>
           </a:p>
           <a:p>
@@ -4938,7 +5655,7 @@
             </a:pPr>
             <a:r>
               <a:rPr lang="en-US" dirty="0"/>
-              <a:t>It has a flexible Grable-based build system.</a:t>
+              <a:t>Display data using public APIs </a:t>
             </a:r>
           </a:p>
           <a:p>
@@ -4948,50 +5665,24 @@
             </a:pPr>
             <a:r>
               <a:rPr lang="en-US" dirty="0"/>
-              <a:t>It provides several emulators to test our android</a:t>
-            </a:r>
-          </a:p>
-          <a:p>
-            <a:r>
-              <a:rPr lang="en-US" dirty="0"/>
-              <a:t>     applications on different devices virtually. </a:t>
-            </a:r>
-          </a:p>
-        </p:txBody>
-      </p:sp>
-      <p:pic>
-        <p:nvPicPr>
-          <p:cNvPr id="7" name="Content Placeholder 6" descr="A screenshot of a computer&#10;&#10;Description automatically generated with medium confidence">
-            <a:extLst>
-              <a:ext uri="{FF2B5EF4-FFF2-40B4-BE49-F238E27FC236}">
-                <a16:creationId xmlns:a16="http://schemas.microsoft.com/office/drawing/2014/main" id="{8C0177C7-D01F-478A-AE97-1F4B4E4125F0}"/>
-              </a:ext>
-            </a:extLst>
-          </p:cNvPr>
-          <p:cNvPicPr>
-            <a:picLocks noGrp="1" noChangeAspect="1"/>
-          </p:cNvPicPr>
-          <p:nvPr>
-            <p:ph idx="1"/>
-          </p:nvPr>
-        </p:nvPicPr>
-        <p:blipFill>
-          <a:blip r:embed="rId2"/>
-          <a:stretch>
-            <a:fillRect/>
-          </a:stretch>
-        </p:blipFill>
-        <p:spPr>
-          <a:xfrm>
-            <a:off x="665207" y="2459573"/>
-            <a:ext cx="5137272" cy="2473502"/>
-          </a:xfrm>
-        </p:spPr>
-      </p:pic>
+              <a:t>Text to speech application</a:t>
+            </a:r>
+          </a:p>
+          <a:p>
+            <a:endParaRPr lang="en-US" dirty="0"/>
+          </a:p>
+          <a:p>
+            <a:r>
+              <a:rPr lang="en-US" dirty="0"/>
+              <a:t>In the process of building these application we have learned various aspects of mobile development.</a:t>
+            </a:r>
+          </a:p>
+        </p:txBody>
+      </p:sp>
     </p:spTree>
     <p:extLst>
       <p:ext uri="{BB962C8B-B14F-4D97-AF65-F5344CB8AC3E}">
-        <p14:creationId xmlns:p14="http://schemas.microsoft.com/office/powerpoint/2010/main" val="275924009"/>
+        <p14:creationId xmlns:p14="http://schemas.microsoft.com/office/powerpoint/2010/main" val="587127275"/>
       </p:ext>
     </p:extLst>
   </p:cSld>
@@ -5059,10 +5750,10 @@
       </p:sp>
       <p:sp>
         <p:nvSpPr>
-          <p:cNvPr id="12" name="TextBox 11">
+          <p:cNvPr id="6" name="TextBox 5">
             <a:extLst>
               <a:ext uri="{FF2B5EF4-FFF2-40B4-BE49-F238E27FC236}">
-                <a16:creationId xmlns:a16="http://schemas.microsoft.com/office/drawing/2014/main" id="{BC75AA3F-F6C2-4FC9-A7CC-FCB5B56BA8B2}"/>
+                <a16:creationId xmlns:a16="http://schemas.microsoft.com/office/drawing/2014/main" id="{DD6E5672-6E1B-9642-8865-A20306ED21E1}"/>
               </a:ext>
             </a:extLst>
           </p:cNvPr>
@@ -5071,8 +5762,8 @@
         </p:nvSpPr>
         <p:spPr>
           <a:xfrm>
-            <a:off x="7489371" y="2503714"/>
-            <a:ext cx="45719" cy="369332"/>
+            <a:off x="6842696" y="2680662"/>
+            <a:ext cx="5027274" cy="2031325"/>
           </a:xfrm>
           <a:prstGeom prst="rect">
             <a:avLst/>
@@ -5080,48 +5771,10 @@
           <a:noFill/>
         </p:spPr>
         <p:txBody>
-          <a:bodyPr wrap="square" rtlCol="0">
+          <a:bodyPr wrap="none" rtlCol="0">
             <a:spAutoFit/>
           </a:bodyPr>
           <a:lstStyle/>
-          <a:p>
-            <a:endParaRPr lang="en-US" dirty="0"/>
-          </a:p>
-        </p:txBody>
-      </p:sp>
-      <p:sp>
-        <p:nvSpPr>
-          <p:cNvPr id="4" name="TextBox 3">
-            <a:extLst>
-              <a:ext uri="{FF2B5EF4-FFF2-40B4-BE49-F238E27FC236}">
-                <a16:creationId xmlns:a16="http://schemas.microsoft.com/office/drawing/2014/main" id="{BA5961D2-9EEC-ACB6-DE77-26220F74EC2C}"/>
-              </a:ext>
-            </a:extLst>
-          </p:cNvPr>
-          <p:cNvSpPr txBox="1"/>
-          <p:nvPr/>
-        </p:nvSpPr>
-        <p:spPr>
-          <a:xfrm>
-            <a:off x="6096000" y="2004027"/>
-            <a:ext cx="5254171" cy="3139321"/>
-          </a:xfrm>
-          <a:prstGeom prst="rect">
-            <a:avLst/>
-          </a:prstGeom>
-          <a:noFill/>
-        </p:spPr>
-        <p:txBody>
-          <a:bodyPr wrap="square" rtlCol="0">
-            <a:spAutoFit/>
-          </a:bodyPr>
-          <a:lstStyle/>
-          <a:p>
-            <a:r>
-              <a:rPr lang="en-US" dirty="0"/>
-              <a:t>Code structure: </a:t>
-            </a:r>
-          </a:p>
           <a:p>
             <a:pPr marL="285750" indent="-285750">
               <a:buFont typeface="Arial" panose="020B0604020202020204" pitchFamily="34" charset="0"/>
@@ -5129,13 +5782,13 @@
             </a:pPr>
             <a:r>
               <a:rPr lang="en-US" dirty="0"/>
-              <a:t>Manifest file: </a:t>
-            </a:r>
-          </a:p>
-          <a:p>
-            <a:r>
-              <a:rPr lang="en-US" dirty="0"/>
-              <a:t>Manifest file has XML extension, which has important metadata information about the application. </a:t>
+              <a:t>Android Studio is and IDE for developing </a:t>
+            </a:r>
+          </a:p>
+          <a:p>
+            <a:r>
+              <a:rPr lang="en-US" dirty="0"/>
+              <a:t>     Android applications.</a:t>
             </a:r>
           </a:p>
           <a:p>
@@ -5145,13 +5798,13 @@
             </a:pPr>
             <a:r>
               <a:rPr lang="en-US" dirty="0"/>
-              <a:t>Java folder: </a:t>
-            </a:r>
-          </a:p>
-          <a:p>
-            <a:r>
-              <a:rPr lang="en-US" dirty="0"/>
-              <a:t>It has all the functionality related to application such as how to handle on click and redirect to other page (intent). </a:t>
+              <a:t>Java and Kotlin are the popular languages used in</a:t>
+            </a:r>
+          </a:p>
+          <a:p>
+            <a:r>
+              <a:rPr lang="en-US" dirty="0"/>
+              <a:t>     Android development.</a:t>
             </a:r>
           </a:p>
           <a:p>
@@ -5161,36 +5814,42 @@
             </a:pPr>
             <a:r>
               <a:rPr lang="en-US" dirty="0"/>
-              <a:t>Res &gt; layout folder: </a:t>
-            </a:r>
-          </a:p>
-          <a:p>
-            <a:r>
-              <a:rPr lang="en-US" dirty="0"/>
-              <a:t>It has all the design screen and XML code related to it. </a:t>
-            </a:r>
-          </a:p>
-          <a:p>
-            <a:r>
-              <a:rPr lang="en-US" dirty="0"/>
-              <a:t>Using tags in this file we can design different screens.</a:t>
+              <a:t>It has a flexible Grable-based build system.</a:t>
+            </a:r>
+          </a:p>
+          <a:p>
+            <a:pPr marL="285750" indent="-285750">
+              <a:buFont typeface="Arial" panose="020B0604020202020204" pitchFamily="34" charset="0"/>
+              <a:buChar char="•"/>
+            </a:pPr>
+            <a:r>
+              <a:rPr lang="en-US" dirty="0"/>
+              <a:t>It provides several emulators to test our android</a:t>
+            </a:r>
+          </a:p>
+          <a:p>
+            <a:r>
+              <a:rPr lang="en-US" dirty="0"/>
+              <a:t>     applications on different devices virtually. </a:t>
             </a:r>
           </a:p>
         </p:txBody>
       </p:sp>
       <p:pic>
         <p:nvPicPr>
-          <p:cNvPr id="8" name="Picture 7">
+          <p:cNvPr id="7" name="Content Placeholder 6" descr="A screenshot of a computer&#10;&#10;Description automatically generated with medium confidence">
             <a:extLst>
               <a:ext uri="{FF2B5EF4-FFF2-40B4-BE49-F238E27FC236}">
-                <a16:creationId xmlns:a16="http://schemas.microsoft.com/office/drawing/2014/main" id="{A78B4F46-CF52-8D08-2C29-059A81EA769C}"/>
+                <a16:creationId xmlns:a16="http://schemas.microsoft.com/office/drawing/2014/main" id="{8C0177C7-D01F-478A-AE97-1F4B4E4125F0}"/>
               </a:ext>
             </a:extLst>
           </p:cNvPr>
           <p:cNvPicPr>
-            <a:picLocks noChangeAspect="1"/>
+            <a:picLocks noGrp="1" noChangeAspect="1"/>
           </p:cNvPicPr>
-          <p:nvPr/>
+          <p:nvPr>
+            <p:ph idx="1"/>
+          </p:nvPr>
         </p:nvPicPr>
         <p:blipFill>
           <a:blip r:embed="rId2"/>
@@ -5200,251 +5859,15 @@
         </p:blipFill>
         <p:spPr>
           <a:xfrm>
-            <a:off x="581192" y="2274838"/>
-            <a:ext cx="2107600" cy="2308324"/>
-          </a:xfrm>
-          <a:prstGeom prst="rect">
-            <a:avLst/>
-          </a:prstGeom>
+            <a:off x="665207" y="2459573"/>
+            <a:ext cx="5137272" cy="2473502"/>
+          </a:xfrm>
         </p:spPr>
       </p:pic>
-      <p:sp>
-        <p:nvSpPr>
-          <p:cNvPr id="9" name="TextBox 8">
-            <a:extLst>
-              <a:ext uri="{FF2B5EF4-FFF2-40B4-BE49-F238E27FC236}">
-                <a16:creationId xmlns:a16="http://schemas.microsoft.com/office/drawing/2014/main" id="{8BA10C43-4BB9-1708-79A8-1DE03C130EF7}"/>
-              </a:ext>
-            </a:extLst>
-          </p:cNvPr>
-          <p:cNvSpPr txBox="1"/>
-          <p:nvPr/>
-        </p:nvSpPr>
-        <p:spPr>
-          <a:xfrm>
-            <a:off x="581192" y="1905506"/>
-            <a:ext cx="1831784" cy="369332"/>
-          </a:xfrm>
-          <a:prstGeom prst="rect">
-            <a:avLst/>
-          </a:prstGeom>
-          <a:noFill/>
-        </p:spPr>
-        <p:txBody>
-          <a:bodyPr wrap="none" rtlCol="0">
-            <a:spAutoFit/>
-          </a:bodyPr>
-          <a:lstStyle/>
-          <a:p>
-            <a:r>
-              <a:rPr lang="en-US" dirty="0"/>
-              <a:t>Project structure:</a:t>
-            </a:r>
-          </a:p>
-        </p:txBody>
-      </p:sp>
-      <p:pic>
-        <p:nvPicPr>
-          <p:cNvPr id="14" name="Picture 13">
-            <a:extLst>
-              <a:ext uri="{FF2B5EF4-FFF2-40B4-BE49-F238E27FC236}">
-                <a16:creationId xmlns:a16="http://schemas.microsoft.com/office/drawing/2014/main" id="{EA6C9CE7-3757-B613-2FCF-9087747F2FF9}"/>
-              </a:ext>
-            </a:extLst>
-          </p:cNvPr>
-          <p:cNvPicPr>
-            <a:picLocks noChangeAspect="1"/>
-          </p:cNvPicPr>
-          <p:nvPr/>
-        </p:nvPicPr>
-        <p:blipFill>
-          <a:blip r:embed="rId3"/>
-          <a:stretch>
-            <a:fillRect/>
-          </a:stretch>
-        </p:blipFill>
-        <p:spPr>
-          <a:xfrm>
-            <a:off x="581192" y="5147580"/>
-            <a:ext cx="2107600" cy="1040460"/>
-          </a:xfrm>
-          <a:prstGeom prst="rect">
-            <a:avLst/>
-          </a:prstGeom>
-        </p:spPr>
-      </p:pic>
-      <p:sp>
-        <p:nvSpPr>
-          <p:cNvPr id="15" name="TextBox 14">
-            <a:extLst>
-              <a:ext uri="{FF2B5EF4-FFF2-40B4-BE49-F238E27FC236}">
-                <a16:creationId xmlns:a16="http://schemas.microsoft.com/office/drawing/2014/main" id="{E89B529E-2303-8CB3-8A97-89B6703E3000}"/>
-              </a:ext>
-            </a:extLst>
-          </p:cNvPr>
-          <p:cNvSpPr txBox="1"/>
-          <p:nvPr/>
-        </p:nvSpPr>
-        <p:spPr>
-          <a:xfrm>
-            <a:off x="3047081" y="1935590"/>
-            <a:ext cx="2122697" cy="369332"/>
-          </a:xfrm>
-          <a:prstGeom prst="rect">
-            <a:avLst/>
-          </a:prstGeom>
-          <a:noFill/>
-        </p:spPr>
-        <p:txBody>
-          <a:bodyPr wrap="none" rtlCol="0">
-            <a:spAutoFit/>
-          </a:bodyPr>
-          <a:lstStyle/>
-          <a:p>
-            <a:r>
-              <a:rPr lang="en-US" dirty="0" err="1"/>
-              <a:t>AndroidManifest.xml</a:t>
-            </a:r>
-            <a:endParaRPr lang="en-US" dirty="0"/>
-          </a:p>
-        </p:txBody>
-      </p:sp>
-      <p:pic>
-        <p:nvPicPr>
-          <p:cNvPr id="16" name="Picture 15">
-            <a:extLst>
-              <a:ext uri="{FF2B5EF4-FFF2-40B4-BE49-F238E27FC236}">
-                <a16:creationId xmlns:a16="http://schemas.microsoft.com/office/drawing/2014/main" id="{9AF88436-1F42-CA75-BB20-827F39864BF4}"/>
-              </a:ext>
-            </a:extLst>
-          </p:cNvPr>
-          <p:cNvPicPr>
-            <a:picLocks noChangeAspect="1"/>
-          </p:cNvPicPr>
-          <p:nvPr/>
-        </p:nvPicPr>
-        <p:blipFill>
-          <a:blip r:embed="rId4"/>
-          <a:stretch>
-            <a:fillRect/>
-          </a:stretch>
-        </p:blipFill>
-        <p:spPr>
-          <a:xfrm>
-            <a:off x="3027065" y="2336524"/>
-            <a:ext cx="2730661" cy="1510065"/>
-          </a:xfrm>
-          <a:prstGeom prst="rect">
-            <a:avLst/>
-          </a:prstGeom>
-        </p:spPr>
-      </p:pic>
-      <p:sp>
-        <p:nvSpPr>
-          <p:cNvPr id="17" name="TextBox 16">
-            <a:extLst>
-              <a:ext uri="{FF2B5EF4-FFF2-40B4-BE49-F238E27FC236}">
-                <a16:creationId xmlns:a16="http://schemas.microsoft.com/office/drawing/2014/main" id="{E1409EFB-E2C0-9313-8694-8DEEE8B1C79D}"/>
-              </a:ext>
-            </a:extLst>
-          </p:cNvPr>
-          <p:cNvSpPr txBox="1"/>
-          <p:nvPr/>
-        </p:nvSpPr>
-        <p:spPr>
-          <a:xfrm>
-            <a:off x="581192" y="4767828"/>
-            <a:ext cx="1714572" cy="369332"/>
-          </a:xfrm>
-          <a:prstGeom prst="rect">
-            <a:avLst/>
-          </a:prstGeom>
-          <a:noFill/>
-        </p:spPr>
-        <p:txBody>
-          <a:bodyPr wrap="none" rtlCol="0">
-            <a:spAutoFit/>
-          </a:bodyPr>
-          <a:lstStyle/>
-          <a:p>
-            <a:r>
-              <a:rPr lang="en-US" dirty="0" err="1"/>
-              <a:t>MainActivity.java</a:t>
-            </a:r>
-            <a:endParaRPr lang="en-US" dirty="0"/>
-          </a:p>
-        </p:txBody>
-      </p:sp>
-      <p:pic>
-        <p:nvPicPr>
-          <p:cNvPr id="18" name="Picture 17">
-            <a:extLst>
-              <a:ext uri="{FF2B5EF4-FFF2-40B4-BE49-F238E27FC236}">
-                <a16:creationId xmlns:a16="http://schemas.microsoft.com/office/drawing/2014/main" id="{E79F68D7-8473-6FD0-88E7-57BE3C089390}"/>
-              </a:ext>
-            </a:extLst>
-          </p:cNvPr>
-          <p:cNvPicPr>
-            <a:picLocks noChangeAspect="1"/>
-          </p:cNvPicPr>
-          <p:nvPr/>
-        </p:nvPicPr>
-        <p:blipFill>
-          <a:blip r:embed="rId5"/>
-          <a:stretch>
-            <a:fillRect/>
-          </a:stretch>
-        </p:blipFill>
-        <p:spPr>
-          <a:xfrm>
-            <a:off x="2964946" y="4803423"/>
-            <a:ext cx="2792780" cy="1352421"/>
-          </a:xfrm>
-          <a:prstGeom prst="rect">
-            <a:avLst/>
-          </a:prstGeom>
-        </p:spPr>
-      </p:pic>
-      <p:sp>
-        <p:nvSpPr>
-          <p:cNvPr id="19" name="TextBox 18">
-            <a:extLst>
-              <a:ext uri="{FF2B5EF4-FFF2-40B4-BE49-F238E27FC236}">
-                <a16:creationId xmlns:a16="http://schemas.microsoft.com/office/drawing/2014/main" id="{94818243-BFCA-4EA5-8DDD-FEDDB476EE91}"/>
-              </a:ext>
-            </a:extLst>
-          </p:cNvPr>
-          <p:cNvSpPr txBox="1"/>
-          <p:nvPr/>
-        </p:nvSpPr>
-        <p:spPr>
-          <a:xfrm>
-            <a:off x="2964946" y="4282491"/>
-            <a:ext cx="1863011" cy="369332"/>
-          </a:xfrm>
-          <a:prstGeom prst="rect">
-            <a:avLst/>
-          </a:prstGeom>
-          <a:noFill/>
-        </p:spPr>
-        <p:txBody>
-          <a:bodyPr wrap="none" rtlCol="0">
-            <a:spAutoFit/>
-          </a:bodyPr>
-          <a:lstStyle/>
-          <a:p>
-            <a:r>
-              <a:rPr lang="en-US" dirty="0" err="1"/>
-              <a:t>Activity_main.xml</a:t>
-            </a:r>
-            <a:endParaRPr lang="en-US" dirty="0"/>
-          </a:p>
-        </p:txBody>
-      </p:sp>
     </p:spTree>
     <p:extLst>
       <p:ext uri="{BB962C8B-B14F-4D97-AF65-F5344CB8AC3E}">
-        <p14:creationId xmlns:p14="http://schemas.microsoft.com/office/powerpoint/2010/main" val="3631166230"/>
+        <p14:creationId xmlns:p14="http://schemas.microsoft.com/office/powerpoint/2010/main" val="275924009"/>
       </p:ext>
     </p:extLst>
   </p:cSld>
@@ -5505,161 +5928,248 @@
                   <a:schemeClr val="accent2"/>
                 </a:solidFill>
               </a:rPr>
-              <a:t>Login Application</a:t>
+              <a:t>ANDROID STUDIO</a:t>
+            </a:r>
+          </a:p>
+        </p:txBody>
+      </p:sp>
+      <p:sp>
+        <p:nvSpPr>
+          <p:cNvPr id="12" name="TextBox 11">
+            <a:extLst>
+              <a:ext uri="{FF2B5EF4-FFF2-40B4-BE49-F238E27FC236}">
+                <a16:creationId xmlns:a16="http://schemas.microsoft.com/office/drawing/2014/main" id="{BC75AA3F-F6C2-4FC9-A7CC-FCB5B56BA8B2}"/>
+              </a:ext>
+            </a:extLst>
+          </p:cNvPr>
+          <p:cNvSpPr txBox="1"/>
+          <p:nvPr/>
+        </p:nvSpPr>
+        <p:spPr>
+          <a:xfrm>
+            <a:off x="7489371" y="2503714"/>
+            <a:ext cx="45719" cy="369332"/>
+          </a:xfrm>
+          <a:prstGeom prst="rect">
+            <a:avLst/>
+          </a:prstGeom>
+          <a:noFill/>
+        </p:spPr>
+        <p:txBody>
+          <a:bodyPr wrap="square" rtlCol="0">
+            <a:spAutoFit/>
+          </a:bodyPr>
+          <a:lstStyle/>
+          <a:p>
+            <a:endParaRPr lang="en-US" dirty="0"/>
+          </a:p>
+        </p:txBody>
+      </p:sp>
+      <p:sp>
+        <p:nvSpPr>
+          <p:cNvPr id="4" name="TextBox 3">
+            <a:extLst>
+              <a:ext uri="{FF2B5EF4-FFF2-40B4-BE49-F238E27FC236}">
+                <a16:creationId xmlns:a16="http://schemas.microsoft.com/office/drawing/2014/main" id="{BA5961D2-9EEC-ACB6-DE77-26220F74EC2C}"/>
+              </a:ext>
+            </a:extLst>
+          </p:cNvPr>
+          <p:cNvSpPr txBox="1"/>
+          <p:nvPr/>
+        </p:nvSpPr>
+        <p:spPr>
+          <a:xfrm>
+            <a:off x="6096000" y="2004027"/>
+            <a:ext cx="5254171" cy="3139321"/>
+          </a:xfrm>
+          <a:prstGeom prst="rect">
+            <a:avLst/>
+          </a:prstGeom>
+          <a:noFill/>
+        </p:spPr>
+        <p:txBody>
+          <a:bodyPr wrap="square" rtlCol="0">
+            <a:spAutoFit/>
+          </a:bodyPr>
+          <a:lstStyle/>
+          <a:p>
+            <a:r>
+              <a:rPr lang="en-US" dirty="0"/>
+              <a:t>Code structure: </a:t>
+            </a:r>
+          </a:p>
+          <a:p>
+            <a:pPr marL="285750" indent="-285750">
+              <a:buFont typeface="Arial" panose="020B0604020202020204" pitchFamily="34" charset="0"/>
+              <a:buChar char="•"/>
+            </a:pPr>
+            <a:r>
+              <a:rPr lang="en-US" dirty="0"/>
+              <a:t>Manifest file: </a:t>
+            </a:r>
+          </a:p>
+          <a:p>
+            <a:r>
+              <a:rPr lang="en-US" dirty="0"/>
+              <a:t>Manifest file has XML extension, which has important metadata information about the application. </a:t>
+            </a:r>
+          </a:p>
+          <a:p>
+            <a:pPr marL="285750" indent="-285750">
+              <a:buFont typeface="Arial" panose="020B0604020202020204" pitchFamily="34" charset="0"/>
+              <a:buChar char="•"/>
+            </a:pPr>
+            <a:r>
+              <a:rPr lang="en-US" dirty="0"/>
+              <a:t>Java folder: </a:t>
+            </a:r>
+          </a:p>
+          <a:p>
+            <a:r>
+              <a:rPr lang="en-US" dirty="0"/>
+              <a:t>It has all the functionality related to application such as how to handle on click and redirect to other page (intent). </a:t>
+            </a:r>
+          </a:p>
+          <a:p>
+            <a:pPr marL="285750" indent="-285750">
+              <a:buFont typeface="Arial" panose="020B0604020202020204" pitchFamily="34" charset="0"/>
+              <a:buChar char="•"/>
+            </a:pPr>
+            <a:r>
+              <a:rPr lang="en-US" dirty="0"/>
+              <a:t>Res &gt; layout folder: </a:t>
+            </a:r>
+          </a:p>
+          <a:p>
+            <a:r>
+              <a:rPr lang="en-US" dirty="0"/>
+              <a:t>It has all the design screen and XML code related to it. </a:t>
+            </a:r>
+          </a:p>
+          <a:p>
+            <a:r>
+              <a:rPr lang="en-US" dirty="0"/>
+              <a:t>Using tags in this file we can design different screens.</a:t>
             </a:r>
           </a:p>
         </p:txBody>
       </p:sp>
       <p:pic>
         <p:nvPicPr>
-          <p:cNvPr id="1025" name="Picture 1" descr="page3image40748256">
+          <p:cNvPr id="8" name="Picture 7">
             <a:extLst>
               <a:ext uri="{FF2B5EF4-FFF2-40B4-BE49-F238E27FC236}">
-                <a16:creationId xmlns:a16="http://schemas.microsoft.com/office/drawing/2014/main" id="{41E8F70A-779C-7907-0693-884E843D8EC9}"/>
+                <a16:creationId xmlns:a16="http://schemas.microsoft.com/office/drawing/2014/main" id="{A78B4F46-CF52-8D08-2C29-059A81EA769C}"/>
               </a:ext>
             </a:extLst>
           </p:cNvPr>
           <p:cNvPicPr>
-            <a:picLocks noChangeAspect="1" noChangeArrowheads="1"/>
+            <a:picLocks noChangeAspect="1"/>
           </p:cNvPicPr>
           <p:nvPr/>
         </p:nvPicPr>
         <p:blipFill>
-          <a:blip r:embed="rId2">
-            <a:extLst>
-              <a:ext uri="{28A0092B-C50C-407E-A947-70E740481C1C}">
-                <a14:useLocalDpi xmlns:a14="http://schemas.microsoft.com/office/drawing/2010/main" val="0"/>
-              </a:ext>
-            </a:extLst>
-          </a:blip>
-          <a:srcRect/>
+          <a:blip r:embed="rId2"/>
           <a:stretch>
             <a:fillRect/>
           </a:stretch>
         </p:blipFill>
-        <p:spPr bwMode="auto">
-          <a:xfrm>
-            <a:off x="581192" y="2293257"/>
-            <a:ext cx="1765300" cy="3632200"/>
+        <p:spPr>
+          <a:xfrm>
+            <a:off x="581192" y="2274838"/>
+            <a:ext cx="2107600" cy="2308324"/>
+          </a:xfrm>
+          <a:prstGeom prst="rect">
+            <a:avLst/>
+          </a:prstGeom>
+        </p:spPr>
+      </p:pic>
+      <p:sp>
+        <p:nvSpPr>
+          <p:cNvPr id="9" name="TextBox 8">
+            <a:extLst>
+              <a:ext uri="{FF2B5EF4-FFF2-40B4-BE49-F238E27FC236}">
+                <a16:creationId xmlns:a16="http://schemas.microsoft.com/office/drawing/2014/main" id="{8BA10C43-4BB9-1708-79A8-1DE03C130EF7}"/>
+              </a:ext>
+            </a:extLst>
+          </p:cNvPr>
+          <p:cNvSpPr txBox="1"/>
+          <p:nvPr/>
+        </p:nvSpPr>
+        <p:spPr>
+          <a:xfrm>
+            <a:off x="581192" y="1905506"/>
+            <a:ext cx="1831784" cy="369332"/>
           </a:xfrm>
           <a:prstGeom prst="rect">
             <a:avLst/>
           </a:prstGeom>
           <a:noFill/>
-          <a:extLst>
-            <a:ext uri="{909E8E84-426E-40DD-AFC4-6F175D3DCCD1}">
-              <a14:hiddenFill xmlns:a14="http://schemas.microsoft.com/office/drawing/2010/main">
-                <a:solidFill>
-                  <a:srgbClr val="FFFFFF"/>
-                </a:solidFill>
-              </a14:hiddenFill>
-            </a:ext>
-          </a:extLst>
-        </p:spPr>
-      </p:pic>
+        </p:spPr>
+        <p:txBody>
+          <a:bodyPr wrap="none" rtlCol="0">
+            <a:spAutoFit/>
+          </a:bodyPr>
+          <a:lstStyle/>
+          <a:p>
+            <a:r>
+              <a:rPr lang="en-US" dirty="0"/>
+              <a:t>Project structure:</a:t>
+            </a:r>
+          </a:p>
+        </p:txBody>
+      </p:sp>
       <p:pic>
         <p:nvPicPr>
-          <p:cNvPr id="1026" name="Picture 2" descr="page4image40750960">
+          <p:cNvPr id="14" name="Picture 13">
             <a:extLst>
               <a:ext uri="{FF2B5EF4-FFF2-40B4-BE49-F238E27FC236}">
-                <a16:creationId xmlns:a16="http://schemas.microsoft.com/office/drawing/2014/main" id="{455DBC04-04C1-8750-F41A-7D60FE33D32E}"/>
+                <a16:creationId xmlns:a16="http://schemas.microsoft.com/office/drawing/2014/main" id="{EA6C9CE7-3757-B613-2FCF-9087747F2FF9}"/>
               </a:ext>
             </a:extLst>
           </p:cNvPr>
           <p:cNvPicPr>
-            <a:picLocks noChangeAspect="1" noChangeArrowheads="1"/>
+            <a:picLocks noChangeAspect="1"/>
           </p:cNvPicPr>
           <p:nvPr/>
         </p:nvPicPr>
         <p:blipFill>
-          <a:blip r:embed="rId3">
-            <a:extLst>
-              <a:ext uri="{28A0092B-C50C-407E-A947-70E740481C1C}">
-                <a14:useLocalDpi xmlns:a14="http://schemas.microsoft.com/office/drawing/2010/main" val="0"/>
-              </a:ext>
-            </a:extLst>
-          </a:blip>
-          <a:srcRect/>
+          <a:blip r:embed="rId3"/>
           <a:stretch>
             <a:fillRect/>
           </a:stretch>
         </p:blipFill>
-        <p:spPr bwMode="auto">
-          <a:xfrm>
-            <a:off x="2975428" y="2293257"/>
-            <a:ext cx="1803400" cy="3708400"/>
+        <p:spPr>
+          <a:xfrm>
+            <a:off x="581192" y="5147580"/>
+            <a:ext cx="2107600" cy="1040460"/>
+          </a:xfrm>
+          <a:prstGeom prst="rect">
+            <a:avLst/>
+          </a:prstGeom>
+        </p:spPr>
+      </p:pic>
+      <p:sp>
+        <p:nvSpPr>
+          <p:cNvPr id="15" name="TextBox 14">
+            <a:extLst>
+              <a:ext uri="{FF2B5EF4-FFF2-40B4-BE49-F238E27FC236}">
+                <a16:creationId xmlns:a16="http://schemas.microsoft.com/office/drawing/2014/main" id="{E89B529E-2303-8CB3-8A97-89B6703E3000}"/>
+              </a:ext>
+            </a:extLst>
+          </p:cNvPr>
+          <p:cNvSpPr txBox="1"/>
+          <p:nvPr/>
+        </p:nvSpPr>
+        <p:spPr>
+          <a:xfrm>
+            <a:off x="3047081" y="1935590"/>
+            <a:ext cx="2122697" cy="369332"/>
           </a:xfrm>
           <a:prstGeom prst="rect">
             <a:avLst/>
           </a:prstGeom>
           <a:noFill/>
-          <a:extLst>
-            <a:ext uri="{909E8E84-426E-40DD-AFC4-6F175D3DCCD1}">
-              <a14:hiddenFill xmlns:a14="http://schemas.microsoft.com/office/drawing/2010/main">
-                <a:solidFill>
-                  <a:srgbClr val="FFFFFF"/>
-                </a:solidFill>
-              </a14:hiddenFill>
-            </a:ext>
-          </a:extLst>
-        </p:spPr>
-      </p:pic>
-      <p:sp>
-        <p:nvSpPr>
-          <p:cNvPr id="4" name="TextBox 3">
-            <a:extLst>
-              <a:ext uri="{FF2B5EF4-FFF2-40B4-BE49-F238E27FC236}">
-                <a16:creationId xmlns:a16="http://schemas.microsoft.com/office/drawing/2014/main" id="{5E0E0DE7-DC63-2CEF-3BC4-232F9C83BEDE}"/>
-              </a:ext>
-            </a:extLst>
-          </p:cNvPr>
-          <p:cNvSpPr txBox="1"/>
-          <p:nvPr/>
-        </p:nvSpPr>
-        <p:spPr>
-          <a:xfrm>
-            <a:off x="581192" y="1923925"/>
-            <a:ext cx="2791342" cy="369332"/>
-          </a:xfrm>
-          <a:prstGeom prst="rect">
-            <a:avLst/>
-          </a:prstGeom>
-          <a:noFill/>
-        </p:spPr>
-        <p:txBody>
-          <a:bodyPr wrap="square" rtlCol="0">
-            <a:spAutoFit/>
-          </a:bodyPr>
-          <a:lstStyle/>
-          <a:p>
-            <a:r>
-              <a:rPr lang="en-US" dirty="0"/>
-              <a:t>Login screen</a:t>
-            </a:r>
-          </a:p>
-        </p:txBody>
-      </p:sp>
-      <p:sp>
-        <p:nvSpPr>
-          <p:cNvPr id="7" name="TextBox 6">
-            <a:extLst>
-              <a:ext uri="{FF2B5EF4-FFF2-40B4-BE49-F238E27FC236}">
-                <a16:creationId xmlns:a16="http://schemas.microsoft.com/office/drawing/2014/main" id="{166CA0AC-4A0D-F1AC-7C04-1A212D661162}"/>
-              </a:ext>
-            </a:extLst>
-          </p:cNvPr>
-          <p:cNvSpPr txBox="1"/>
-          <p:nvPr/>
-        </p:nvSpPr>
-        <p:spPr>
-          <a:xfrm>
-            <a:off x="2975428" y="1900622"/>
-            <a:ext cx="1625766" cy="369332"/>
-          </a:xfrm>
-          <a:prstGeom prst="rect">
-            <a:avLst/>
-          </a:prstGeom>
-          <a:noFill/>
         </p:spPr>
         <p:txBody>
           <a:bodyPr wrap="none" rtlCol="0">
@@ -5668,149 +6178,19 @@
           <a:lstStyle/>
           <a:p>
             <a:r>
-              <a:rPr lang="en-US" dirty="0"/>
-              <a:t>Successful login</a:t>
-            </a:r>
-          </a:p>
-        </p:txBody>
-      </p:sp>
-      <p:sp>
-        <p:nvSpPr>
-          <p:cNvPr id="8" name="TextBox 7">
+              <a:rPr lang="en-US" dirty="0" err="1"/>
+              <a:t>AndroidManifest.xml</a:t>
+            </a:r>
+            <a:endParaRPr lang="en-US" dirty="0"/>
+          </a:p>
+        </p:txBody>
+      </p:sp>
+      <p:pic>
+        <p:nvPicPr>
+          <p:cNvPr id="16" name="Picture 15">
             <a:extLst>
               <a:ext uri="{FF2B5EF4-FFF2-40B4-BE49-F238E27FC236}">
-                <a16:creationId xmlns:a16="http://schemas.microsoft.com/office/drawing/2014/main" id="{CA2D0691-688C-9EE2-70ED-3964903F9B8F}"/>
-              </a:ext>
-            </a:extLst>
-          </p:cNvPr>
-          <p:cNvSpPr txBox="1"/>
-          <p:nvPr/>
-        </p:nvSpPr>
-        <p:spPr>
-          <a:xfrm>
-            <a:off x="4892046" y="2125236"/>
-            <a:ext cx="7322389" cy="1200329"/>
-          </a:xfrm>
-          <a:prstGeom prst="rect">
-            <a:avLst/>
-          </a:prstGeom>
-          <a:noFill/>
-        </p:spPr>
-        <p:txBody>
-          <a:bodyPr wrap="none" rtlCol="0">
-            <a:spAutoFit/>
-          </a:bodyPr>
-          <a:lstStyle/>
-          <a:p>
-            <a:pPr marL="285750" indent="-285750">
-              <a:buFont typeface="Arial" panose="020B0604020202020204" pitchFamily="34" charset="0"/>
-              <a:buChar char="•"/>
-            </a:pPr>
-            <a:r>
-              <a:rPr lang="en-US" dirty="0"/>
-              <a:t>The sign in screen has input validations, if login is done using either blank </a:t>
-            </a:r>
-          </a:p>
-          <a:p>
-            <a:r>
-              <a:rPr lang="en-US" dirty="0"/>
-              <a:t>     fields or incorrect username or password toast message is shown.</a:t>
-            </a:r>
-          </a:p>
-          <a:p>
-            <a:pPr marL="285750" indent="-285750">
-              <a:buFont typeface="Arial" panose="020B0604020202020204" pitchFamily="34" charset="0"/>
-              <a:buChar char="•"/>
-            </a:pPr>
-            <a:r>
-              <a:rPr lang="en-US" dirty="0"/>
-              <a:t>During a successful login, screen is redirect to new intent screen where</a:t>
-            </a:r>
-          </a:p>
-          <a:p>
-            <a:r>
-              <a:rPr lang="en-US" dirty="0"/>
-              <a:t>     log out button is displayed.</a:t>
-            </a:r>
-          </a:p>
-        </p:txBody>
-      </p:sp>
-      <p:sp>
-        <p:nvSpPr>
-          <p:cNvPr id="9" name="TextBox 8">
-            <a:extLst>
-              <a:ext uri="{FF2B5EF4-FFF2-40B4-BE49-F238E27FC236}">
-                <a16:creationId xmlns:a16="http://schemas.microsoft.com/office/drawing/2014/main" id="{0E644A66-DE3B-603E-E31B-144D95E66B3C}"/>
-              </a:ext>
-            </a:extLst>
-          </p:cNvPr>
-          <p:cNvSpPr txBox="1"/>
-          <p:nvPr/>
-        </p:nvSpPr>
-        <p:spPr>
-          <a:xfrm>
-            <a:off x="5171606" y="3624429"/>
-            <a:ext cx="1565493" cy="369332"/>
-          </a:xfrm>
-          <a:prstGeom prst="rect">
-            <a:avLst/>
-          </a:prstGeom>
-          <a:noFill/>
-        </p:spPr>
-        <p:txBody>
-          <a:bodyPr wrap="none" rtlCol="0">
-            <a:spAutoFit/>
-          </a:bodyPr>
-          <a:lstStyle/>
-          <a:p>
-            <a:r>
-              <a:rPr lang="en-US" dirty="0"/>
-              <a:t>Toast message:</a:t>
-            </a:r>
-          </a:p>
-        </p:txBody>
-      </p:sp>
-      <p:sp>
-        <p:nvSpPr>
-          <p:cNvPr id="10" name="TextBox 9">
-            <a:extLst>
-              <a:ext uri="{FF2B5EF4-FFF2-40B4-BE49-F238E27FC236}">
-                <a16:creationId xmlns:a16="http://schemas.microsoft.com/office/drawing/2014/main" id="{026CF185-B763-2A98-7FBD-9C03CD02454B}"/>
-              </a:ext>
-            </a:extLst>
-          </p:cNvPr>
-          <p:cNvSpPr txBox="1"/>
-          <p:nvPr/>
-        </p:nvSpPr>
-        <p:spPr>
-          <a:xfrm>
-            <a:off x="5171606" y="4784160"/>
-            <a:ext cx="2816990" cy="369332"/>
-          </a:xfrm>
-          <a:prstGeom prst="rect">
-            <a:avLst/>
-          </a:prstGeom>
-          <a:noFill/>
-        </p:spPr>
-        <p:txBody>
-          <a:bodyPr wrap="none" rtlCol="0">
-            <a:spAutoFit/>
-          </a:bodyPr>
-          <a:lstStyle/>
-          <a:p>
-            <a:r>
-              <a:rPr lang="en-US" dirty="0"/>
-              <a:t>Redirect to another activity:</a:t>
-            </a:r>
-          </a:p>
-        </p:txBody>
-      </p:sp>
-      <p:pic>
-        <p:nvPicPr>
-          <p:cNvPr id="13" name="Picture 12">
-            <a:extLst>
-              <a:ext uri="{FF2B5EF4-FFF2-40B4-BE49-F238E27FC236}">
-                <a16:creationId xmlns:a16="http://schemas.microsoft.com/office/drawing/2014/main" id="{55815841-AD56-EC72-76A8-3B7CCCE06D28}"/>
+                <a16:creationId xmlns:a16="http://schemas.microsoft.com/office/drawing/2014/main" id="{9AF88436-1F42-CA75-BB20-827F39864BF4}"/>
               </a:ext>
             </a:extLst>
           </p:cNvPr>
@@ -5827,20 +6207,56 @@
         </p:blipFill>
         <p:spPr>
           <a:xfrm>
-            <a:off x="5171606" y="4071285"/>
-            <a:ext cx="6530459" cy="635351"/>
+            <a:off x="3027065" y="2336524"/>
+            <a:ext cx="2730661" cy="1510065"/>
           </a:xfrm>
           <a:prstGeom prst="rect">
             <a:avLst/>
           </a:prstGeom>
         </p:spPr>
       </p:pic>
+      <p:sp>
+        <p:nvSpPr>
+          <p:cNvPr id="17" name="TextBox 16">
+            <a:extLst>
+              <a:ext uri="{FF2B5EF4-FFF2-40B4-BE49-F238E27FC236}">
+                <a16:creationId xmlns:a16="http://schemas.microsoft.com/office/drawing/2014/main" id="{E1409EFB-E2C0-9313-8694-8DEEE8B1C79D}"/>
+              </a:ext>
+            </a:extLst>
+          </p:cNvPr>
+          <p:cNvSpPr txBox="1"/>
+          <p:nvPr/>
+        </p:nvSpPr>
+        <p:spPr>
+          <a:xfrm>
+            <a:off x="581192" y="4767828"/>
+            <a:ext cx="1714572" cy="369332"/>
+          </a:xfrm>
+          <a:prstGeom prst="rect">
+            <a:avLst/>
+          </a:prstGeom>
+          <a:noFill/>
+        </p:spPr>
+        <p:txBody>
+          <a:bodyPr wrap="none" rtlCol="0">
+            <a:spAutoFit/>
+          </a:bodyPr>
+          <a:lstStyle/>
+          <a:p>
+            <a:r>
+              <a:rPr lang="en-US" dirty="0" err="1"/>
+              <a:t>MainActivity.java</a:t>
+            </a:r>
+            <a:endParaRPr lang="en-US" dirty="0"/>
+          </a:p>
+        </p:txBody>
+      </p:sp>
       <p:pic>
         <p:nvPicPr>
-          <p:cNvPr id="15" name="Picture 14">
+          <p:cNvPr id="18" name="Picture 17">
             <a:extLst>
               <a:ext uri="{FF2B5EF4-FFF2-40B4-BE49-F238E27FC236}">
-                <a16:creationId xmlns:a16="http://schemas.microsoft.com/office/drawing/2014/main" id="{125F9760-DBBF-19C9-B819-8F1C59AB7533}"/>
+                <a16:creationId xmlns:a16="http://schemas.microsoft.com/office/drawing/2014/main" id="{E79F68D7-8473-6FD0-88E7-57BE3C089390}"/>
               </a:ext>
             </a:extLst>
           </p:cNvPr>
@@ -5857,18 +6273,54 @@
         </p:blipFill>
         <p:spPr>
           <a:xfrm>
-            <a:off x="5171605" y="5241982"/>
-            <a:ext cx="6530459" cy="819723"/>
+            <a:off x="2964946" y="4803423"/>
+            <a:ext cx="2792780" cy="1352421"/>
           </a:xfrm>
           <a:prstGeom prst="rect">
             <a:avLst/>
           </a:prstGeom>
         </p:spPr>
       </p:pic>
+      <p:sp>
+        <p:nvSpPr>
+          <p:cNvPr id="19" name="TextBox 18">
+            <a:extLst>
+              <a:ext uri="{FF2B5EF4-FFF2-40B4-BE49-F238E27FC236}">
+                <a16:creationId xmlns:a16="http://schemas.microsoft.com/office/drawing/2014/main" id="{94818243-BFCA-4EA5-8DDD-FEDDB476EE91}"/>
+              </a:ext>
+            </a:extLst>
+          </p:cNvPr>
+          <p:cNvSpPr txBox="1"/>
+          <p:nvPr/>
+        </p:nvSpPr>
+        <p:spPr>
+          <a:xfrm>
+            <a:off x="2964946" y="4282491"/>
+            <a:ext cx="1863011" cy="369332"/>
+          </a:xfrm>
+          <a:prstGeom prst="rect">
+            <a:avLst/>
+          </a:prstGeom>
+          <a:noFill/>
+        </p:spPr>
+        <p:txBody>
+          <a:bodyPr wrap="none" rtlCol="0">
+            <a:spAutoFit/>
+          </a:bodyPr>
+          <a:lstStyle/>
+          <a:p>
+            <a:r>
+              <a:rPr lang="en-US" dirty="0" err="1"/>
+              <a:t>Activity_main.xml</a:t>
+            </a:r>
+            <a:endParaRPr lang="en-US" dirty="0"/>
+          </a:p>
+        </p:txBody>
+      </p:sp>
     </p:spTree>
     <p:extLst>
       <p:ext uri="{BB962C8B-B14F-4D97-AF65-F5344CB8AC3E}">
-        <p14:creationId xmlns:p14="http://schemas.microsoft.com/office/powerpoint/2010/main" val="1088207858"/>
+        <p14:creationId xmlns:p14="http://schemas.microsoft.com/office/powerpoint/2010/main" val="3631166230"/>
       </p:ext>
     </p:extLst>
   </p:cSld>
@@ -5929,118 +6381,17 @@
                   <a:schemeClr val="accent2"/>
                 </a:solidFill>
               </a:rPr>
-              <a:t>Pizza Delivery Application</a:t>
-            </a:r>
-          </a:p>
-        </p:txBody>
-      </p:sp>
-      <p:sp>
-        <p:nvSpPr>
-          <p:cNvPr id="5" name="TextBox 4">
+              <a:t>Login Application</a:t>
+            </a:r>
+          </a:p>
+        </p:txBody>
+      </p:sp>
+      <p:pic>
+        <p:nvPicPr>
+          <p:cNvPr id="1025" name="Picture 1" descr="page3image40748256">
             <a:extLst>
               <a:ext uri="{FF2B5EF4-FFF2-40B4-BE49-F238E27FC236}">
-                <a16:creationId xmlns:a16="http://schemas.microsoft.com/office/drawing/2014/main" id="{7E122C62-8643-D646-B987-86CA4B72FBB7}"/>
-              </a:ext>
-            </a:extLst>
-          </p:cNvPr>
-          <p:cNvSpPr txBox="1"/>
-          <p:nvPr/>
-        </p:nvSpPr>
-        <p:spPr>
-          <a:xfrm>
-            <a:off x="2237550" y="1973679"/>
-            <a:ext cx="1702902" cy="369332"/>
-          </a:xfrm>
-          <a:prstGeom prst="rect">
-            <a:avLst/>
-          </a:prstGeom>
-          <a:noFill/>
-        </p:spPr>
-        <p:txBody>
-          <a:bodyPr wrap="none" rtlCol="0">
-            <a:spAutoFit/>
-          </a:bodyPr>
-          <a:lstStyle/>
-          <a:p>
-            <a:r>
-              <a:rPr lang="en-US" dirty="0"/>
-              <a:t>Order summary</a:t>
-            </a:r>
-          </a:p>
-        </p:txBody>
-      </p:sp>
-      <p:sp>
-        <p:nvSpPr>
-          <p:cNvPr id="6" name="TextBox 5">
-            <a:extLst>
-              <a:ext uri="{FF2B5EF4-FFF2-40B4-BE49-F238E27FC236}">
-                <a16:creationId xmlns:a16="http://schemas.microsoft.com/office/drawing/2014/main" id="{DD6E5672-6E1B-9642-8865-A20306ED21E1}"/>
-              </a:ext>
-            </a:extLst>
-          </p:cNvPr>
-          <p:cNvSpPr txBox="1"/>
-          <p:nvPr/>
-        </p:nvSpPr>
-        <p:spPr>
-          <a:xfrm>
-            <a:off x="5904215" y="2158345"/>
-            <a:ext cx="6060477" cy="2585323"/>
-          </a:xfrm>
-          <a:prstGeom prst="rect">
-            <a:avLst/>
-          </a:prstGeom>
-          <a:noFill/>
-        </p:spPr>
-        <p:txBody>
-          <a:bodyPr wrap="square" rtlCol="0">
-            <a:spAutoFit/>
-          </a:bodyPr>
-          <a:lstStyle/>
-          <a:p>
-            <a:pPr marL="285750" indent="-285750">
-              <a:buFont typeface="Arial" panose="020B0604020202020204" pitchFamily="34" charset="0"/>
-              <a:buChar char="•"/>
-            </a:pPr>
-            <a:r>
-              <a:rPr lang="en-US" dirty="0"/>
-              <a:t>Using the liner layout, we have designed form to order pizzas.</a:t>
-            </a:r>
-          </a:p>
-          <a:p>
-            <a:pPr marL="285750" indent="-285750">
-              <a:buFont typeface="Arial" panose="020B0604020202020204" pitchFamily="34" charset="0"/>
-              <a:buChar char="•"/>
-            </a:pPr>
-            <a:r>
-              <a:rPr lang="en-US" dirty="0"/>
-              <a:t>To view the summary, we redirect to new intent where we calculate price associated with each item and display final bill.</a:t>
-            </a:r>
-          </a:p>
-          <a:p>
-            <a:pPr marL="285750" indent="-285750">
-              <a:buFont typeface="Arial" panose="020B0604020202020204" pitchFamily="34" charset="0"/>
-              <a:buChar char="•"/>
-            </a:pPr>
-            <a:r>
-              <a:rPr lang="en-US" dirty="0"/>
-              <a:t>ACTION_SEND intent is used with extra information which include recipient email, subject, and content of email to send email. </a:t>
-            </a:r>
-          </a:p>
-          <a:p>
-            <a:pPr marL="285750" indent="-285750">
-              <a:buFont typeface="Arial" panose="020B0604020202020204" pitchFamily="34" charset="0"/>
-              <a:buChar char="•"/>
-            </a:pPr>
-            <a:endParaRPr lang="en-US" dirty="0"/>
-          </a:p>
-        </p:txBody>
-      </p:sp>
-      <p:pic>
-        <p:nvPicPr>
-          <p:cNvPr id="2049" name="Picture 1" descr="page2image40540880">
-            <a:extLst>
-              <a:ext uri="{FF2B5EF4-FFF2-40B4-BE49-F238E27FC236}">
-                <a16:creationId xmlns:a16="http://schemas.microsoft.com/office/drawing/2014/main" id="{1C7FA934-43B2-F7DD-5F4F-2A8B04923CBF}"/>
+                <a16:creationId xmlns:a16="http://schemas.microsoft.com/office/drawing/2014/main" id="{41E8F70A-779C-7907-0693-884E843D8EC9}"/>
               </a:ext>
             </a:extLst>
           </p:cNvPr>
@@ -6064,8 +6415,8 @@
         </p:blipFill>
         <p:spPr bwMode="auto">
           <a:xfrm>
-            <a:off x="581192" y="2451756"/>
-            <a:ext cx="1549400" cy="3403600"/>
+            <a:off x="581192" y="2293257"/>
+            <a:ext cx="1765300" cy="3632200"/>
           </a:xfrm>
           <a:prstGeom prst="rect">
             <a:avLst/>
@@ -6084,10 +6435,10 @@
       </p:pic>
       <p:pic>
         <p:nvPicPr>
-          <p:cNvPr id="2050" name="Picture 2" descr="page3image40648912">
+          <p:cNvPr id="1026" name="Picture 2" descr="page4image40750960">
             <a:extLst>
               <a:ext uri="{FF2B5EF4-FFF2-40B4-BE49-F238E27FC236}">
-                <a16:creationId xmlns:a16="http://schemas.microsoft.com/office/drawing/2014/main" id="{CDD15631-F1BA-F41D-F616-E4E66D2F0C9C}"/>
+                <a16:creationId xmlns:a16="http://schemas.microsoft.com/office/drawing/2014/main" id="{455DBC04-04C1-8750-F41A-7D60FE33D32E}"/>
               </a:ext>
             </a:extLst>
           </p:cNvPr>
@@ -6111,8 +6462,8 @@
         </p:blipFill>
         <p:spPr bwMode="auto">
           <a:xfrm>
-            <a:off x="2368446" y="2418878"/>
-            <a:ext cx="1572006" cy="3436478"/>
+            <a:off x="2975428" y="2293257"/>
+            <a:ext cx="1803400" cy="3708400"/>
           </a:xfrm>
           <a:prstGeom prst="rect">
             <a:avLst/>
@@ -6129,209 +6480,271 @@
           </a:extLst>
         </p:spPr>
       </p:pic>
+      <p:sp>
+        <p:nvSpPr>
+          <p:cNvPr id="4" name="TextBox 3">
+            <a:extLst>
+              <a:ext uri="{FF2B5EF4-FFF2-40B4-BE49-F238E27FC236}">
+                <a16:creationId xmlns:a16="http://schemas.microsoft.com/office/drawing/2014/main" id="{5E0E0DE7-DC63-2CEF-3BC4-232F9C83BEDE}"/>
+              </a:ext>
+            </a:extLst>
+          </p:cNvPr>
+          <p:cNvSpPr txBox="1"/>
+          <p:nvPr/>
+        </p:nvSpPr>
+        <p:spPr>
+          <a:xfrm>
+            <a:off x="581192" y="1923925"/>
+            <a:ext cx="2791342" cy="369332"/>
+          </a:xfrm>
+          <a:prstGeom prst="rect">
+            <a:avLst/>
+          </a:prstGeom>
+          <a:noFill/>
+        </p:spPr>
+        <p:txBody>
+          <a:bodyPr wrap="square" rtlCol="0">
+            <a:spAutoFit/>
+          </a:bodyPr>
+          <a:lstStyle/>
+          <a:p>
+            <a:r>
+              <a:rPr lang="en-US" dirty="0"/>
+              <a:t>Login screen</a:t>
+            </a:r>
+          </a:p>
+        </p:txBody>
+      </p:sp>
+      <p:sp>
+        <p:nvSpPr>
+          <p:cNvPr id="7" name="TextBox 6">
+            <a:extLst>
+              <a:ext uri="{FF2B5EF4-FFF2-40B4-BE49-F238E27FC236}">
+                <a16:creationId xmlns:a16="http://schemas.microsoft.com/office/drawing/2014/main" id="{166CA0AC-4A0D-F1AC-7C04-1A212D661162}"/>
+              </a:ext>
+            </a:extLst>
+          </p:cNvPr>
+          <p:cNvSpPr txBox="1"/>
+          <p:nvPr/>
+        </p:nvSpPr>
+        <p:spPr>
+          <a:xfrm>
+            <a:off x="2975428" y="1900622"/>
+            <a:ext cx="1625766" cy="369332"/>
+          </a:xfrm>
+          <a:prstGeom prst="rect">
+            <a:avLst/>
+          </a:prstGeom>
+          <a:noFill/>
+        </p:spPr>
+        <p:txBody>
+          <a:bodyPr wrap="none" rtlCol="0">
+            <a:spAutoFit/>
+          </a:bodyPr>
+          <a:lstStyle/>
+          <a:p>
+            <a:r>
+              <a:rPr lang="en-US" dirty="0"/>
+              <a:t>Successful login</a:t>
+            </a:r>
+          </a:p>
+        </p:txBody>
+      </p:sp>
+      <p:sp>
+        <p:nvSpPr>
+          <p:cNvPr id="8" name="TextBox 7">
+            <a:extLst>
+              <a:ext uri="{FF2B5EF4-FFF2-40B4-BE49-F238E27FC236}">
+                <a16:creationId xmlns:a16="http://schemas.microsoft.com/office/drawing/2014/main" id="{CA2D0691-688C-9EE2-70ED-3964903F9B8F}"/>
+              </a:ext>
+            </a:extLst>
+          </p:cNvPr>
+          <p:cNvSpPr txBox="1"/>
+          <p:nvPr/>
+        </p:nvSpPr>
+        <p:spPr>
+          <a:xfrm>
+            <a:off x="4892046" y="2125236"/>
+            <a:ext cx="7322389" cy="1200329"/>
+          </a:xfrm>
+          <a:prstGeom prst="rect">
+            <a:avLst/>
+          </a:prstGeom>
+          <a:noFill/>
+        </p:spPr>
+        <p:txBody>
+          <a:bodyPr wrap="none" rtlCol="0">
+            <a:spAutoFit/>
+          </a:bodyPr>
+          <a:lstStyle/>
+          <a:p>
+            <a:pPr marL="285750" indent="-285750">
+              <a:buFont typeface="Arial" panose="020B0604020202020204" pitchFamily="34" charset="0"/>
+              <a:buChar char="•"/>
+            </a:pPr>
+            <a:r>
+              <a:rPr lang="en-US" dirty="0"/>
+              <a:t>The sign in screen has input validations, if login is done using either blank </a:t>
+            </a:r>
+          </a:p>
+          <a:p>
+            <a:r>
+              <a:rPr lang="en-US" dirty="0"/>
+              <a:t>     fields or incorrect username or password toast message is shown.</a:t>
+            </a:r>
+          </a:p>
+          <a:p>
+            <a:pPr marL="285750" indent="-285750">
+              <a:buFont typeface="Arial" panose="020B0604020202020204" pitchFamily="34" charset="0"/>
+              <a:buChar char="•"/>
+            </a:pPr>
+            <a:r>
+              <a:rPr lang="en-US" dirty="0"/>
+              <a:t>During a successful login, screen is redirect to new intent screen where</a:t>
+            </a:r>
+          </a:p>
+          <a:p>
+            <a:r>
+              <a:rPr lang="en-US" dirty="0"/>
+              <a:t>     log out button is displayed.</a:t>
+            </a:r>
+          </a:p>
+        </p:txBody>
+      </p:sp>
+      <p:sp>
+        <p:nvSpPr>
+          <p:cNvPr id="9" name="TextBox 8">
+            <a:extLst>
+              <a:ext uri="{FF2B5EF4-FFF2-40B4-BE49-F238E27FC236}">
+                <a16:creationId xmlns:a16="http://schemas.microsoft.com/office/drawing/2014/main" id="{0E644A66-DE3B-603E-E31B-144D95E66B3C}"/>
+              </a:ext>
+            </a:extLst>
+          </p:cNvPr>
+          <p:cNvSpPr txBox="1"/>
+          <p:nvPr/>
+        </p:nvSpPr>
+        <p:spPr>
+          <a:xfrm>
+            <a:off x="5171606" y="3624429"/>
+            <a:ext cx="1565493" cy="369332"/>
+          </a:xfrm>
+          <a:prstGeom prst="rect">
+            <a:avLst/>
+          </a:prstGeom>
+          <a:noFill/>
+        </p:spPr>
+        <p:txBody>
+          <a:bodyPr wrap="none" rtlCol="0">
+            <a:spAutoFit/>
+          </a:bodyPr>
+          <a:lstStyle/>
+          <a:p>
+            <a:r>
+              <a:rPr lang="en-US" dirty="0"/>
+              <a:t>Toast message:</a:t>
+            </a:r>
+          </a:p>
+        </p:txBody>
+      </p:sp>
+      <p:sp>
+        <p:nvSpPr>
+          <p:cNvPr id="10" name="TextBox 9">
+            <a:extLst>
+              <a:ext uri="{FF2B5EF4-FFF2-40B4-BE49-F238E27FC236}">
+                <a16:creationId xmlns:a16="http://schemas.microsoft.com/office/drawing/2014/main" id="{026CF185-B763-2A98-7FBD-9C03CD02454B}"/>
+              </a:ext>
+            </a:extLst>
+          </p:cNvPr>
+          <p:cNvSpPr txBox="1"/>
+          <p:nvPr/>
+        </p:nvSpPr>
+        <p:spPr>
+          <a:xfrm>
+            <a:off x="5171606" y="4784160"/>
+            <a:ext cx="2816990" cy="369332"/>
+          </a:xfrm>
+          <a:prstGeom prst="rect">
+            <a:avLst/>
+          </a:prstGeom>
+          <a:noFill/>
+        </p:spPr>
+        <p:txBody>
+          <a:bodyPr wrap="none" rtlCol="0">
+            <a:spAutoFit/>
+          </a:bodyPr>
+          <a:lstStyle/>
+          <a:p>
+            <a:r>
+              <a:rPr lang="en-US" dirty="0"/>
+              <a:t>Redirect to another activity:</a:t>
+            </a:r>
+          </a:p>
+        </p:txBody>
+      </p:sp>
       <p:pic>
         <p:nvPicPr>
-          <p:cNvPr id="2051" name="Picture 3" descr="page4image40522416">
+          <p:cNvPr id="13" name="Picture 12">
             <a:extLst>
               <a:ext uri="{FF2B5EF4-FFF2-40B4-BE49-F238E27FC236}">
-                <a16:creationId xmlns:a16="http://schemas.microsoft.com/office/drawing/2014/main" id="{5AF82593-DAC1-A0D7-24B2-7A34BD1F6A6A}"/>
+                <a16:creationId xmlns:a16="http://schemas.microsoft.com/office/drawing/2014/main" id="{55815841-AD56-EC72-76A8-3B7CCCE06D28}"/>
               </a:ext>
             </a:extLst>
           </p:cNvPr>
           <p:cNvPicPr>
-            <a:picLocks noChangeAspect="1" noChangeArrowheads="1"/>
+            <a:picLocks noChangeAspect="1"/>
           </p:cNvPicPr>
           <p:nvPr/>
         </p:nvPicPr>
         <p:blipFill>
-          <a:blip r:embed="rId4">
-            <a:extLst>
-              <a:ext uri="{28A0092B-C50C-407E-A947-70E740481C1C}">
-                <a14:useLocalDpi xmlns:a14="http://schemas.microsoft.com/office/drawing/2010/main" val="0"/>
-              </a:ext>
-            </a:extLst>
-          </a:blip>
-          <a:srcRect/>
+          <a:blip r:embed="rId4"/>
           <a:stretch>
             <a:fillRect/>
           </a:stretch>
         </p:blipFill>
-        <p:spPr bwMode="auto">
-          <a:xfrm>
-            <a:off x="4178306" y="2418878"/>
-            <a:ext cx="1565990" cy="3436478"/>
+        <p:spPr>
+          <a:xfrm>
+            <a:off x="5171606" y="4071285"/>
+            <a:ext cx="6530459" cy="635351"/>
           </a:xfrm>
           <a:prstGeom prst="rect">
             <a:avLst/>
           </a:prstGeom>
-          <a:noFill/>
-          <a:extLst>
-            <a:ext uri="{909E8E84-426E-40DD-AFC4-6F175D3DCCD1}">
-              <a14:hiddenFill xmlns:a14="http://schemas.microsoft.com/office/drawing/2010/main">
-                <a:solidFill>
-                  <a:srgbClr val="FFFFFF"/>
-                </a:solidFill>
-              </a14:hiddenFill>
-            </a:ext>
-          </a:extLst>
         </p:spPr>
       </p:pic>
-      <p:sp>
-        <p:nvSpPr>
-          <p:cNvPr id="3" name="TextBox 2">
+      <p:pic>
+        <p:nvPicPr>
+          <p:cNvPr id="15" name="Picture 14">
             <a:extLst>
               <a:ext uri="{FF2B5EF4-FFF2-40B4-BE49-F238E27FC236}">
-                <a16:creationId xmlns:a16="http://schemas.microsoft.com/office/drawing/2014/main" id="{F9C5BD78-67A7-2C32-E8EA-D491B4575E97}"/>
-              </a:ext>
-            </a:extLst>
-          </p:cNvPr>
-          <p:cNvSpPr txBox="1"/>
-          <p:nvPr/>
-        </p:nvSpPr>
-        <p:spPr>
-          <a:xfrm>
-            <a:off x="4178306" y="2001312"/>
-            <a:ext cx="1425390" cy="369332"/>
-          </a:xfrm>
-          <a:prstGeom prst="rect">
-            <a:avLst/>
-          </a:prstGeom>
-          <a:noFill/>
-        </p:spPr>
-        <p:txBody>
-          <a:bodyPr wrap="none" rtlCol="0">
-            <a:spAutoFit/>
-          </a:bodyPr>
-          <a:lstStyle/>
-          <a:p>
-            <a:r>
-              <a:rPr lang="en-US" dirty="0"/>
-              <a:t>Mail to notify</a:t>
-            </a:r>
-          </a:p>
-        </p:txBody>
-      </p:sp>
-      <p:sp>
-        <p:nvSpPr>
-          <p:cNvPr id="7" name="TextBox 6">
-            <a:extLst>
-              <a:ext uri="{FF2B5EF4-FFF2-40B4-BE49-F238E27FC236}">
-                <a16:creationId xmlns:a16="http://schemas.microsoft.com/office/drawing/2014/main" id="{21BF9E21-C23F-2D68-1E1A-A764F1236B00}"/>
-              </a:ext>
-            </a:extLst>
-          </p:cNvPr>
-          <p:cNvSpPr txBox="1"/>
-          <p:nvPr/>
-        </p:nvSpPr>
-        <p:spPr>
-          <a:xfrm>
-            <a:off x="529761" y="2001312"/>
-            <a:ext cx="1260025" cy="369332"/>
-          </a:xfrm>
-          <a:prstGeom prst="rect">
-            <a:avLst/>
-          </a:prstGeom>
-          <a:noFill/>
-        </p:spPr>
-        <p:txBody>
-          <a:bodyPr wrap="none" rtlCol="0">
-            <a:spAutoFit/>
-          </a:bodyPr>
-          <a:lstStyle/>
-          <a:p>
-            <a:r>
-              <a:rPr lang="en-US" dirty="0"/>
-              <a:t>Place order</a:t>
-            </a:r>
-          </a:p>
-        </p:txBody>
-      </p:sp>
-      <p:sp>
-        <p:nvSpPr>
-          <p:cNvPr id="8" name="TextBox 7">
-            <a:extLst>
-              <a:ext uri="{FF2B5EF4-FFF2-40B4-BE49-F238E27FC236}">
-                <a16:creationId xmlns:a16="http://schemas.microsoft.com/office/drawing/2014/main" id="{38C9420A-82C9-CAF6-ED08-A4055E9AC1A4}"/>
-              </a:ext>
-            </a:extLst>
-          </p:cNvPr>
-          <p:cNvSpPr txBox="1"/>
-          <p:nvPr/>
-        </p:nvSpPr>
-        <p:spPr>
-          <a:xfrm>
-            <a:off x="6385421" y="4743668"/>
-            <a:ext cx="2645276" cy="369332"/>
-          </a:xfrm>
-          <a:prstGeom prst="rect">
-            <a:avLst/>
-          </a:prstGeom>
-          <a:noFill/>
-        </p:spPr>
-        <p:txBody>
-          <a:bodyPr wrap="none" rtlCol="0">
-            <a:spAutoFit/>
-          </a:bodyPr>
-          <a:lstStyle/>
-          <a:p>
-            <a:r>
-              <a:rPr lang="en-US" dirty="0"/>
-              <a:t>Code snippet to send mail</a:t>
-            </a:r>
-          </a:p>
-        </p:txBody>
-      </p:sp>
-      <p:pic>
-        <p:nvPicPr>
-          <p:cNvPr id="2052" name="Picture 4" descr="page4image40526160">
-            <a:extLst>
-              <a:ext uri="{FF2B5EF4-FFF2-40B4-BE49-F238E27FC236}">
-                <a16:creationId xmlns:a16="http://schemas.microsoft.com/office/drawing/2014/main" id="{B0387295-2935-AD5B-DE6F-BE199FA7DE1A}"/>
+                <a16:creationId xmlns:a16="http://schemas.microsoft.com/office/drawing/2014/main" id="{125F9760-DBBF-19C9-B819-8F1C59AB7533}"/>
               </a:ext>
             </a:extLst>
           </p:cNvPr>
           <p:cNvPicPr>
-            <a:picLocks noChangeAspect="1" noChangeArrowheads="1"/>
+            <a:picLocks noChangeAspect="1"/>
           </p:cNvPicPr>
           <p:nvPr/>
         </p:nvPicPr>
         <p:blipFill>
-          <a:blip r:embed="rId5">
-            <a:extLst>
-              <a:ext uri="{28A0092B-C50C-407E-A947-70E740481C1C}">
-                <a14:useLocalDpi xmlns:a14="http://schemas.microsoft.com/office/drawing/2010/main" val="0"/>
-              </a:ext>
-            </a:extLst>
-          </a:blip>
-          <a:srcRect/>
+          <a:blip r:embed="rId5"/>
           <a:stretch>
             <a:fillRect/>
           </a:stretch>
         </p:blipFill>
-        <p:spPr bwMode="auto">
-          <a:xfrm>
-            <a:off x="6289176" y="5142045"/>
-            <a:ext cx="5321631" cy="1466332"/>
+        <p:spPr>
+          <a:xfrm>
+            <a:off x="5171605" y="5241982"/>
+            <a:ext cx="6530459" cy="819723"/>
           </a:xfrm>
           <a:prstGeom prst="rect">
             <a:avLst/>
           </a:prstGeom>
-          <a:noFill/>
-          <a:extLst>
-            <a:ext uri="{909E8E84-426E-40DD-AFC4-6F175D3DCCD1}">
-              <a14:hiddenFill xmlns:a14="http://schemas.microsoft.com/office/drawing/2010/main">
-                <a:solidFill>
-                  <a:srgbClr val="FFFFFF"/>
-                </a:solidFill>
-              </a14:hiddenFill>
-            </a:ext>
-          </a:extLst>
         </p:spPr>
       </p:pic>
     </p:spTree>
     <p:extLst>
       <p:ext uri="{BB962C8B-B14F-4D97-AF65-F5344CB8AC3E}">
-        <p14:creationId xmlns:p14="http://schemas.microsoft.com/office/powerpoint/2010/main" val="4041014904"/>
+        <p14:creationId xmlns:p14="http://schemas.microsoft.com/office/powerpoint/2010/main" val="1088207858"/>
       </p:ext>
     </p:extLst>
   </p:cSld>
@@ -6392,30 +6805,118 @@
                   <a:schemeClr val="accent2"/>
                 </a:solidFill>
               </a:rPr>
-              <a:t>Display data using public </a:t>
-            </a:r>
-            <a:r>
-              <a:rPr lang="en-US" dirty="0" err="1">
-                <a:solidFill>
-                  <a:schemeClr val="accent2"/>
-                </a:solidFill>
-              </a:rPr>
-              <a:t>apis</a:t>
-            </a:r>
-            <a:endParaRPr lang="en-US" dirty="0">
-              <a:solidFill>
-                <a:schemeClr val="accent2"/>
-              </a:solidFill>
-            </a:endParaRPr>
+              <a:t>Pizza Delivery Application</a:t>
+            </a:r>
+          </a:p>
+        </p:txBody>
+      </p:sp>
+      <p:sp>
+        <p:nvSpPr>
+          <p:cNvPr id="5" name="TextBox 4">
+            <a:extLst>
+              <a:ext uri="{FF2B5EF4-FFF2-40B4-BE49-F238E27FC236}">
+                <a16:creationId xmlns:a16="http://schemas.microsoft.com/office/drawing/2014/main" id="{7E122C62-8643-D646-B987-86CA4B72FBB7}"/>
+              </a:ext>
+            </a:extLst>
+          </p:cNvPr>
+          <p:cNvSpPr txBox="1"/>
+          <p:nvPr/>
+        </p:nvSpPr>
+        <p:spPr>
+          <a:xfrm>
+            <a:off x="2237550" y="1973679"/>
+            <a:ext cx="1702902" cy="369332"/>
+          </a:xfrm>
+          <a:prstGeom prst="rect">
+            <a:avLst/>
+          </a:prstGeom>
+          <a:noFill/>
+        </p:spPr>
+        <p:txBody>
+          <a:bodyPr wrap="none" rtlCol="0">
+            <a:spAutoFit/>
+          </a:bodyPr>
+          <a:lstStyle/>
+          <a:p>
+            <a:r>
+              <a:rPr lang="en-US" dirty="0"/>
+              <a:t>Order summary</a:t>
+            </a:r>
+          </a:p>
+        </p:txBody>
+      </p:sp>
+      <p:sp>
+        <p:nvSpPr>
+          <p:cNvPr id="6" name="TextBox 5">
+            <a:extLst>
+              <a:ext uri="{FF2B5EF4-FFF2-40B4-BE49-F238E27FC236}">
+                <a16:creationId xmlns:a16="http://schemas.microsoft.com/office/drawing/2014/main" id="{DD6E5672-6E1B-9642-8865-A20306ED21E1}"/>
+              </a:ext>
+            </a:extLst>
+          </p:cNvPr>
+          <p:cNvSpPr txBox="1"/>
+          <p:nvPr/>
+        </p:nvSpPr>
+        <p:spPr>
+          <a:xfrm>
+            <a:off x="5904215" y="2158345"/>
+            <a:ext cx="6060477" cy="2585323"/>
+          </a:xfrm>
+          <a:prstGeom prst="rect">
+            <a:avLst/>
+          </a:prstGeom>
+          <a:noFill/>
+        </p:spPr>
+        <p:txBody>
+          <a:bodyPr wrap="square" rtlCol="0">
+            <a:spAutoFit/>
+          </a:bodyPr>
+          <a:lstStyle/>
+          <a:p>
+            <a:pPr marL="285750" indent="-285750">
+              <a:buFont typeface="Arial" panose="020B0604020202020204" pitchFamily="34" charset="0"/>
+              <a:buChar char="•"/>
+            </a:pPr>
+            <a:r>
+              <a:rPr lang="en-US" dirty="0"/>
+              <a:t>Using the liner layout, we have designed form to order pizzas.</a:t>
+            </a:r>
+          </a:p>
+          <a:p>
+            <a:pPr marL="285750" indent="-285750">
+              <a:buFont typeface="Arial" panose="020B0604020202020204" pitchFamily="34" charset="0"/>
+              <a:buChar char="•"/>
+            </a:pPr>
+            <a:r>
+              <a:rPr lang="en-US" dirty="0"/>
+              <a:t>To view the summary, we redirect to new intent where we calculate price associated with each item and display final bill.</a:t>
+            </a:r>
+          </a:p>
+          <a:p>
+            <a:pPr marL="285750" indent="-285750">
+              <a:buFont typeface="Arial" panose="020B0604020202020204" pitchFamily="34" charset="0"/>
+              <a:buChar char="•"/>
+            </a:pPr>
+            <a:r>
+              <a:rPr lang="en-US" dirty="0"/>
+              <a:t>ACTION_SEND intent is used with extra information which include recipient email, subject, and content of email to send email. </a:t>
+            </a:r>
+          </a:p>
+          <a:p>
+            <a:pPr marL="285750" indent="-285750">
+              <a:buFont typeface="Arial" panose="020B0604020202020204" pitchFamily="34" charset="0"/>
+              <a:buChar char="•"/>
+            </a:pPr>
+            <a:endParaRPr lang="en-US" dirty="0"/>
           </a:p>
         </p:txBody>
       </p:sp>
       <p:pic>
         <p:nvPicPr>
-          <p:cNvPr id="3073" name="Picture 1" descr="page4image40554976">
+          <p:cNvPr id="2049" name="Picture 1" descr="page2image40540880">
             <a:extLst>
               <a:ext uri="{FF2B5EF4-FFF2-40B4-BE49-F238E27FC236}">
-                <a16:creationId xmlns:a16="http://schemas.microsoft.com/office/drawing/2014/main" id="{148DB7F0-D1CE-9609-63AB-FCFFE1177B1C}"/>
+                <a16:creationId xmlns:a16="http://schemas.microsoft.com/office/drawing/2014/main" id="{1C7FA934-43B2-F7DD-5F4F-2A8B04923CBF}"/>
               </a:ext>
             </a:extLst>
           </p:cNvPr>
@@ -6439,8 +6940,8 @@
         </p:blipFill>
         <p:spPr bwMode="auto">
           <a:xfrm>
-            <a:off x="581192" y="2444897"/>
-            <a:ext cx="2015646" cy="3870842"/>
+            <a:off x="581192" y="2451756"/>
+            <a:ext cx="1549400" cy="3403600"/>
           </a:xfrm>
           <a:prstGeom prst="rect">
             <a:avLst/>
@@ -6457,167 +6958,12 @@
           </a:extLst>
         </p:spPr>
       </p:pic>
-      <p:sp>
-        <p:nvSpPr>
-          <p:cNvPr id="3" name="TextBox 2">
+      <p:pic>
+        <p:nvPicPr>
+          <p:cNvPr id="2050" name="Picture 2" descr="page3image40648912">
             <a:extLst>
               <a:ext uri="{FF2B5EF4-FFF2-40B4-BE49-F238E27FC236}">
-                <a16:creationId xmlns:a16="http://schemas.microsoft.com/office/drawing/2014/main" id="{5120B142-4BCF-11D1-97A9-1092BADC4CBE}"/>
-              </a:ext>
-            </a:extLst>
-          </p:cNvPr>
-          <p:cNvSpPr txBox="1"/>
-          <p:nvPr/>
-        </p:nvSpPr>
-        <p:spPr>
-          <a:xfrm>
-            <a:off x="385801" y="1941455"/>
-            <a:ext cx="2406428" cy="369332"/>
-          </a:xfrm>
-          <a:prstGeom prst="rect">
-            <a:avLst/>
-          </a:prstGeom>
-          <a:noFill/>
-        </p:spPr>
-        <p:txBody>
-          <a:bodyPr wrap="none" rtlCol="0">
-            <a:spAutoFit/>
-          </a:bodyPr>
-          <a:lstStyle/>
-          <a:p>
-            <a:r>
-              <a:rPr lang="en-US" dirty="0"/>
-              <a:t>User data from GIT API</a:t>
-            </a:r>
-          </a:p>
-        </p:txBody>
-      </p:sp>
-      <p:sp>
-        <p:nvSpPr>
-          <p:cNvPr id="4" name="TextBox 3">
-            <a:extLst>
-              <a:ext uri="{FF2B5EF4-FFF2-40B4-BE49-F238E27FC236}">
-                <a16:creationId xmlns:a16="http://schemas.microsoft.com/office/drawing/2014/main" id="{B07ECA53-2D81-7572-F858-5B161E6CD855}"/>
-              </a:ext>
-            </a:extLst>
-          </p:cNvPr>
-          <p:cNvSpPr txBox="1"/>
-          <p:nvPr/>
-        </p:nvSpPr>
-        <p:spPr>
-          <a:xfrm>
-            <a:off x="3317358" y="2083980"/>
-            <a:ext cx="8102009" cy="923330"/>
-          </a:xfrm>
-          <a:prstGeom prst="rect">
-            <a:avLst/>
-          </a:prstGeom>
-          <a:noFill/>
-        </p:spPr>
-        <p:txBody>
-          <a:bodyPr wrap="square" rtlCol="0">
-            <a:spAutoFit/>
-          </a:bodyPr>
-          <a:lstStyle/>
-          <a:p>
-            <a:pPr marL="285750" indent="-285750">
-              <a:buFont typeface="Arial" panose="020B0604020202020204" pitchFamily="34" charset="0"/>
-              <a:buChar char="•"/>
-            </a:pPr>
-            <a:r>
-              <a:rPr lang="en-US" dirty="0"/>
-              <a:t>In order to fetch data from internet, user permission is added in manifest file.</a:t>
-            </a:r>
-          </a:p>
-          <a:p>
-            <a:pPr marL="285750" indent="-285750">
-              <a:buFont typeface="Arial" panose="020B0604020202020204" pitchFamily="34" charset="0"/>
-              <a:buChar char="•"/>
-            </a:pPr>
-            <a:r>
-              <a:rPr lang="en-US" dirty="0"/>
-              <a:t>Retrofit</a:t>
-            </a:r>
-          </a:p>
-          <a:p>
-            <a:r>
-              <a:rPr lang="en-US" dirty="0"/>
-              <a:t>Using retrofit we construct the API endpoint and fetch data from GIT public API.</a:t>
-            </a:r>
-          </a:p>
-        </p:txBody>
-      </p:sp>
-      <p:pic>
-        <p:nvPicPr>
-          <p:cNvPr id="7" name="Picture 6">
-            <a:extLst>
-              <a:ext uri="{FF2B5EF4-FFF2-40B4-BE49-F238E27FC236}">
-                <a16:creationId xmlns:a16="http://schemas.microsoft.com/office/drawing/2014/main" id="{DE8D8CA5-D33C-7755-A315-8D709D13F745}"/>
-              </a:ext>
-            </a:extLst>
-          </p:cNvPr>
-          <p:cNvPicPr>
-            <a:picLocks noChangeAspect="1"/>
-          </p:cNvPicPr>
-          <p:nvPr/>
-        </p:nvPicPr>
-        <p:blipFill>
-          <a:blip r:embed="rId3"/>
-          <a:stretch>
-            <a:fillRect/>
-          </a:stretch>
-        </p:blipFill>
-        <p:spPr>
-          <a:xfrm>
-            <a:off x="3317358" y="4380318"/>
-            <a:ext cx="6057900" cy="2006600"/>
-          </a:xfrm>
-          <a:prstGeom prst="rect">
-            <a:avLst/>
-          </a:prstGeom>
-        </p:spPr>
-      </p:pic>
-      <p:sp>
-        <p:nvSpPr>
-          <p:cNvPr id="8" name="TextBox 7">
-            <a:extLst>
-              <a:ext uri="{FF2B5EF4-FFF2-40B4-BE49-F238E27FC236}">
-                <a16:creationId xmlns:a16="http://schemas.microsoft.com/office/drawing/2014/main" id="{7C41F91D-974F-3C81-EE63-AE2CAEE81ECB}"/>
-              </a:ext>
-            </a:extLst>
-          </p:cNvPr>
-          <p:cNvSpPr txBox="1"/>
-          <p:nvPr/>
-        </p:nvSpPr>
-        <p:spPr>
-          <a:xfrm>
-            <a:off x="3921369" y="3938954"/>
-            <a:ext cx="2462277" cy="369332"/>
-          </a:xfrm>
-          <a:prstGeom prst="rect">
-            <a:avLst/>
-          </a:prstGeom>
-          <a:noFill/>
-        </p:spPr>
-        <p:txBody>
-          <a:bodyPr wrap="none" rtlCol="0">
-            <a:spAutoFit/>
-          </a:bodyPr>
-          <a:lstStyle/>
-          <a:p>
-            <a:r>
-              <a:rPr lang="en-US" dirty="0"/>
-              <a:t>Fetch data from GIT API</a:t>
-            </a:r>
-          </a:p>
-        </p:txBody>
-      </p:sp>
-      <p:pic>
-        <p:nvPicPr>
-          <p:cNvPr id="3074" name="Picture 2" descr="page1image40632320">
-            <a:extLst>
-              <a:ext uri="{FF2B5EF4-FFF2-40B4-BE49-F238E27FC236}">
-                <a16:creationId xmlns:a16="http://schemas.microsoft.com/office/drawing/2014/main" id="{8AD1C7CA-39F6-330C-F773-50637E47B05C}"/>
+                <a16:creationId xmlns:a16="http://schemas.microsoft.com/office/drawing/2014/main" id="{CDD15631-F1BA-F41D-F616-E4E66D2F0C9C}"/>
               </a:ext>
             </a:extLst>
           </p:cNvPr>
@@ -6627,7 +6973,7 @@
           <p:nvPr/>
         </p:nvPicPr>
         <p:blipFill>
-          <a:blip r:embed="rId4">
+          <a:blip r:embed="rId3">
             <a:extLst>
               <a:ext uri="{28A0092B-C50C-407E-A947-70E740481C1C}">
                 <a14:useLocalDpi xmlns:a14="http://schemas.microsoft.com/office/drawing/2010/main" val="0"/>
@@ -6641,8 +6987,8 @@
         </p:blipFill>
         <p:spPr bwMode="auto">
           <a:xfrm>
-            <a:off x="3317358" y="3375334"/>
-            <a:ext cx="5448300" cy="393700"/>
+            <a:off x="2368446" y="2418878"/>
+            <a:ext cx="1572006" cy="3436478"/>
           </a:xfrm>
           <a:prstGeom prst="rect">
             <a:avLst/>
@@ -6659,12 +7005,59 @@
           </a:extLst>
         </p:spPr>
       </p:pic>
-      <p:sp>
-        <p:nvSpPr>
-          <p:cNvPr id="14" name="TextBox 13">
+      <p:pic>
+        <p:nvPicPr>
+          <p:cNvPr id="2051" name="Picture 3" descr="page4image40522416">
             <a:extLst>
               <a:ext uri="{FF2B5EF4-FFF2-40B4-BE49-F238E27FC236}">
-                <a16:creationId xmlns:a16="http://schemas.microsoft.com/office/drawing/2014/main" id="{A636353F-4404-CB98-71DB-430F49C88A1A}"/>
+                <a16:creationId xmlns:a16="http://schemas.microsoft.com/office/drawing/2014/main" id="{5AF82593-DAC1-A0D7-24B2-7A34BD1F6A6A}"/>
+              </a:ext>
+            </a:extLst>
+          </p:cNvPr>
+          <p:cNvPicPr>
+            <a:picLocks noChangeAspect="1" noChangeArrowheads="1"/>
+          </p:cNvPicPr>
+          <p:nvPr/>
+        </p:nvPicPr>
+        <p:blipFill>
+          <a:blip r:embed="rId4">
+            <a:extLst>
+              <a:ext uri="{28A0092B-C50C-407E-A947-70E740481C1C}">
+                <a14:useLocalDpi xmlns:a14="http://schemas.microsoft.com/office/drawing/2010/main" val="0"/>
+              </a:ext>
+            </a:extLst>
+          </a:blip>
+          <a:srcRect/>
+          <a:stretch>
+            <a:fillRect/>
+          </a:stretch>
+        </p:blipFill>
+        <p:spPr bwMode="auto">
+          <a:xfrm>
+            <a:off x="4178306" y="2418878"/>
+            <a:ext cx="1565990" cy="3436478"/>
+          </a:xfrm>
+          <a:prstGeom prst="rect">
+            <a:avLst/>
+          </a:prstGeom>
+          <a:noFill/>
+          <a:extLst>
+            <a:ext uri="{909E8E84-426E-40DD-AFC4-6F175D3DCCD1}">
+              <a14:hiddenFill xmlns:a14="http://schemas.microsoft.com/office/drawing/2010/main">
+                <a:solidFill>
+                  <a:srgbClr val="FFFFFF"/>
+                </a:solidFill>
+              </a14:hiddenFill>
+            </a:ext>
+          </a:extLst>
+        </p:spPr>
+      </p:pic>
+      <p:sp>
+        <p:nvSpPr>
+          <p:cNvPr id="3" name="TextBox 2">
+            <a:extLst>
+              <a:ext uri="{FF2B5EF4-FFF2-40B4-BE49-F238E27FC236}">
+                <a16:creationId xmlns:a16="http://schemas.microsoft.com/office/drawing/2014/main" id="{F9C5BD78-67A7-2C32-E8EA-D491B4575E97}"/>
               </a:ext>
             </a:extLst>
           </p:cNvPr>
@@ -6673,8 +7066,8 @@
         </p:nvSpPr>
         <p:spPr>
           <a:xfrm>
-            <a:off x="3317358" y="3014887"/>
-            <a:ext cx="3893695" cy="369332"/>
+            <a:off x="4178306" y="2001312"/>
+            <a:ext cx="1425390" cy="369332"/>
           </a:xfrm>
           <a:prstGeom prst="rect">
             <a:avLst/>
@@ -6689,15 +7082,132 @@
           <a:p>
             <a:r>
               <a:rPr lang="en-US" dirty="0"/>
-              <a:t>Permission to access data from internet</a:t>
-            </a:r>
-          </a:p>
-        </p:txBody>
-      </p:sp>
+              <a:t>Mail to notify</a:t>
+            </a:r>
+          </a:p>
+        </p:txBody>
+      </p:sp>
+      <p:sp>
+        <p:nvSpPr>
+          <p:cNvPr id="7" name="TextBox 6">
+            <a:extLst>
+              <a:ext uri="{FF2B5EF4-FFF2-40B4-BE49-F238E27FC236}">
+                <a16:creationId xmlns:a16="http://schemas.microsoft.com/office/drawing/2014/main" id="{21BF9E21-C23F-2D68-1E1A-A764F1236B00}"/>
+              </a:ext>
+            </a:extLst>
+          </p:cNvPr>
+          <p:cNvSpPr txBox="1"/>
+          <p:nvPr/>
+        </p:nvSpPr>
+        <p:spPr>
+          <a:xfrm>
+            <a:off x="529761" y="2001312"/>
+            <a:ext cx="1260025" cy="369332"/>
+          </a:xfrm>
+          <a:prstGeom prst="rect">
+            <a:avLst/>
+          </a:prstGeom>
+          <a:noFill/>
+        </p:spPr>
+        <p:txBody>
+          <a:bodyPr wrap="none" rtlCol="0">
+            <a:spAutoFit/>
+          </a:bodyPr>
+          <a:lstStyle/>
+          <a:p>
+            <a:r>
+              <a:rPr lang="en-US" dirty="0"/>
+              <a:t>Place order</a:t>
+            </a:r>
+          </a:p>
+        </p:txBody>
+      </p:sp>
+      <p:sp>
+        <p:nvSpPr>
+          <p:cNvPr id="8" name="TextBox 7">
+            <a:extLst>
+              <a:ext uri="{FF2B5EF4-FFF2-40B4-BE49-F238E27FC236}">
+                <a16:creationId xmlns:a16="http://schemas.microsoft.com/office/drawing/2014/main" id="{38C9420A-82C9-CAF6-ED08-A4055E9AC1A4}"/>
+              </a:ext>
+            </a:extLst>
+          </p:cNvPr>
+          <p:cNvSpPr txBox="1"/>
+          <p:nvPr/>
+        </p:nvSpPr>
+        <p:spPr>
+          <a:xfrm>
+            <a:off x="6385421" y="4743668"/>
+            <a:ext cx="2645276" cy="369332"/>
+          </a:xfrm>
+          <a:prstGeom prst="rect">
+            <a:avLst/>
+          </a:prstGeom>
+          <a:noFill/>
+        </p:spPr>
+        <p:txBody>
+          <a:bodyPr wrap="none" rtlCol="0">
+            <a:spAutoFit/>
+          </a:bodyPr>
+          <a:lstStyle/>
+          <a:p>
+            <a:r>
+              <a:rPr lang="en-US" dirty="0"/>
+              <a:t>Code snippet to send mail</a:t>
+            </a:r>
+          </a:p>
+        </p:txBody>
+      </p:sp>
+      <p:pic>
+        <p:nvPicPr>
+          <p:cNvPr id="2052" name="Picture 4" descr="page4image40526160">
+            <a:extLst>
+              <a:ext uri="{FF2B5EF4-FFF2-40B4-BE49-F238E27FC236}">
+                <a16:creationId xmlns:a16="http://schemas.microsoft.com/office/drawing/2014/main" id="{B0387295-2935-AD5B-DE6F-BE199FA7DE1A}"/>
+              </a:ext>
+            </a:extLst>
+          </p:cNvPr>
+          <p:cNvPicPr>
+            <a:picLocks noChangeAspect="1" noChangeArrowheads="1"/>
+          </p:cNvPicPr>
+          <p:nvPr/>
+        </p:nvPicPr>
+        <p:blipFill>
+          <a:blip r:embed="rId5">
+            <a:extLst>
+              <a:ext uri="{28A0092B-C50C-407E-A947-70E740481C1C}">
+                <a14:useLocalDpi xmlns:a14="http://schemas.microsoft.com/office/drawing/2010/main" val="0"/>
+              </a:ext>
+            </a:extLst>
+          </a:blip>
+          <a:srcRect/>
+          <a:stretch>
+            <a:fillRect/>
+          </a:stretch>
+        </p:blipFill>
+        <p:spPr bwMode="auto">
+          <a:xfrm>
+            <a:off x="6289176" y="5142045"/>
+            <a:ext cx="5321631" cy="1466332"/>
+          </a:xfrm>
+          <a:prstGeom prst="rect">
+            <a:avLst/>
+          </a:prstGeom>
+          <a:noFill/>
+          <a:extLst>
+            <a:ext uri="{909E8E84-426E-40DD-AFC4-6F175D3DCCD1}">
+              <a14:hiddenFill xmlns:a14="http://schemas.microsoft.com/office/drawing/2010/main">
+                <a:solidFill>
+                  <a:srgbClr val="FFFFFF"/>
+                </a:solidFill>
+              </a14:hiddenFill>
+            </a:ext>
+          </a:extLst>
+        </p:spPr>
+      </p:pic>
     </p:spTree>
     <p:extLst>
       <p:ext uri="{BB962C8B-B14F-4D97-AF65-F5344CB8AC3E}">
-        <p14:creationId xmlns:p14="http://schemas.microsoft.com/office/powerpoint/2010/main" val="3547863134"/>
+        <p14:creationId xmlns:p14="http://schemas.microsoft.com/office/powerpoint/2010/main" val="4041014904"/>
       </p:ext>
     </p:extLst>
   </p:cSld>
@@ -6758,17 +7268,30 @@
                   <a:schemeClr val="accent2"/>
                 </a:solidFill>
               </a:rPr>
-              <a:t>Text to speech</a:t>
-            </a:r>
+              <a:t>Display data using public </a:t>
+            </a:r>
+            <a:r>
+              <a:rPr lang="en-US" dirty="0" err="1">
+                <a:solidFill>
+                  <a:schemeClr val="accent2"/>
+                </a:solidFill>
+              </a:rPr>
+              <a:t>apis</a:t>
+            </a:r>
+            <a:endParaRPr lang="en-US" dirty="0">
+              <a:solidFill>
+                <a:schemeClr val="accent2"/>
+              </a:solidFill>
+            </a:endParaRPr>
           </a:p>
         </p:txBody>
       </p:sp>
       <p:pic>
         <p:nvPicPr>
-          <p:cNvPr id="4099" name="Picture 3" descr="page5image40553104">
+          <p:cNvPr id="3073" name="Picture 1" descr="page4image40554976">
             <a:extLst>
               <a:ext uri="{FF2B5EF4-FFF2-40B4-BE49-F238E27FC236}">
-                <a16:creationId xmlns:a16="http://schemas.microsoft.com/office/drawing/2014/main" id="{BDE06E8B-C5F3-0562-5AB4-937FCE8BC0EE}"/>
+                <a16:creationId xmlns:a16="http://schemas.microsoft.com/office/drawing/2014/main" id="{148DB7F0-D1CE-9609-63AB-FCFFE1177B1C}"/>
               </a:ext>
             </a:extLst>
           </p:cNvPr>
@@ -6792,8 +7315,8 @@
         </p:blipFill>
         <p:spPr bwMode="auto">
           <a:xfrm>
-            <a:off x="581192" y="2332174"/>
-            <a:ext cx="2189371" cy="4128262"/>
+            <a:off x="581192" y="2444897"/>
+            <a:ext cx="2015646" cy="3870842"/>
           </a:xfrm>
           <a:prstGeom prst="rect">
             <a:avLst/>
@@ -6810,12 +7333,167 @@
           </a:extLst>
         </p:spPr>
       </p:pic>
+      <p:sp>
+        <p:nvSpPr>
+          <p:cNvPr id="3" name="TextBox 2">
+            <a:extLst>
+              <a:ext uri="{FF2B5EF4-FFF2-40B4-BE49-F238E27FC236}">
+                <a16:creationId xmlns:a16="http://schemas.microsoft.com/office/drawing/2014/main" id="{5120B142-4BCF-11D1-97A9-1092BADC4CBE}"/>
+              </a:ext>
+            </a:extLst>
+          </p:cNvPr>
+          <p:cNvSpPr txBox="1"/>
+          <p:nvPr/>
+        </p:nvSpPr>
+        <p:spPr>
+          <a:xfrm>
+            <a:off x="385801" y="1941455"/>
+            <a:ext cx="2406428" cy="369332"/>
+          </a:xfrm>
+          <a:prstGeom prst="rect">
+            <a:avLst/>
+          </a:prstGeom>
+          <a:noFill/>
+        </p:spPr>
+        <p:txBody>
+          <a:bodyPr wrap="none" rtlCol="0">
+            <a:spAutoFit/>
+          </a:bodyPr>
+          <a:lstStyle/>
+          <a:p>
+            <a:r>
+              <a:rPr lang="en-US" dirty="0"/>
+              <a:t>User data from GIT API</a:t>
+            </a:r>
+          </a:p>
+        </p:txBody>
+      </p:sp>
+      <p:sp>
+        <p:nvSpPr>
+          <p:cNvPr id="4" name="TextBox 3">
+            <a:extLst>
+              <a:ext uri="{FF2B5EF4-FFF2-40B4-BE49-F238E27FC236}">
+                <a16:creationId xmlns:a16="http://schemas.microsoft.com/office/drawing/2014/main" id="{B07ECA53-2D81-7572-F858-5B161E6CD855}"/>
+              </a:ext>
+            </a:extLst>
+          </p:cNvPr>
+          <p:cNvSpPr txBox="1"/>
+          <p:nvPr/>
+        </p:nvSpPr>
+        <p:spPr>
+          <a:xfrm>
+            <a:off x="3317358" y="2083980"/>
+            <a:ext cx="8102009" cy="923330"/>
+          </a:xfrm>
+          <a:prstGeom prst="rect">
+            <a:avLst/>
+          </a:prstGeom>
+          <a:noFill/>
+        </p:spPr>
+        <p:txBody>
+          <a:bodyPr wrap="square" rtlCol="0">
+            <a:spAutoFit/>
+          </a:bodyPr>
+          <a:lstStyle/>
+          <a:p>
+            <a:pPr marL="285750" indent="-285750">
+              <a:buFont typeface="Arial" panose="020B0604020202020204" pitchFamily="34" charset="0"/>
+              <a:buChar char="•"/>
+            </a:pPr>
+            <a:r>
+              <a:rPr lang="en-US" dirty="0"/>
+              <a:t>In order to fetch data from internet, user permission is added in manifest file.</a:t>
+            </a:r>
+          </a:p>
+          <a:p>
+            <a:pPr marL="285750" indent="-285750">
+              <a:buFont typeface="Arial" panose="020B0604020202020204" pitchFamily="34" charset="0"/>
+              <a:buChar char="•"/>
+            </a:pPr>
+            <a:r>
+              <a:rPr lang="en-US" dirty="0"/>
+              <a:t>Retrofit</a:t>
+            </a:r>
+          </a:p>
+          <a:p>
+            <a:r>
+              <a:rPr lang="en-US" dirty="0"/>
+              <a:t>Using retrofit we construct the API endpoint and fetch data from GIT public API.</a:t>
+            </a:r>
+          </a:p>
+        </p:txBody>
+      </p:sp>
       <p:pic>
         <p:nvPicPr>
-          <p:cNvPr id="4102" name="Picture 6" descr="page4image40668624">
+          <p:cNvPr id="7" name="Picture 6">
             <a:extLst>
               <a:ext uri="{FF2B5EF4-FFF2-40B4-BE49-F238E27FC236}">
-                <a16:creationId xmlns:a16="http://schemas.microsoft.com/office/drawing/2014/main" id="{CC8B215D-15FB-09F0-BA97-165B0ACB8108}"/>
+                <a16:creationId xmlns:a16="http://schemas.microsoft.com/office/drawing/2014/main" id="{DE8D8CA5-D33C-7755-A315-8D709D13F745}"/>
+              </a:ext>
+            </a:extLst>
+          </p:cNvPr>
+          <p:cNvPicPr>
+            <a:picLocks noChangeAspect="1"/>
+          </p:cNvPicPr>
+          <p:nvPr/>
+        </p:nvPicPr>
+        <p:blipFill>
+          <a:blip r:embed="rId3"/>
+          <a:stretch>
+            <a:fillRect/>
+          </a:stretch>
+        </p:blipFill>
+        <p:spPr>
+          <a:xfrm>
+            <a:off x="3317358" y="4380318"/>
+            <a:ext cx="6057900" cy="2006600"/>
+          </a:xfrm>
+          <a:prstGeom prst="rect">
+            <a:avLst/>
+          </a:prstGeom>
+        </p:spPr>
+      </p:pic>
+      <p:sp>
+        <p:nvSpPr>
+          <p:cNvPr id="8" name="TextBox 7">
+            <a:extLst>
+              <a:ext uri="{FF2B5EF4-FFF2-40B4-BE49-F238E27FC236}">
+                <a16:creationId xmlns:a16="http://schemas.microsoft.com/office/drawing/2014/main" id="{7C41F91D-974F-3C81-EE63-AE2CAEE81ECB}"/>
+              </a:ext>
+            </a:extLst>
+          </p:cNvPr>
+          <p:cNvSpPr txBox="1"/>
+          <p:nvPr/>
+        </p:nvSpPr>
+        <p:spPr>
+          <a:xfrm>
+            <a:off x="3921369" y="3938954"/>
+            <a:ext cx="2462277" cy="369332"/>
+          </a:xfrm>
+          <a:prstGeom prst="rect">
+            <a:avLst/>
+          </a:prstGeom>
+          <a:noFill/>
+        </p:spPr>
+        <p:txBody>
+          <a:bodyPr wrap="none" rtlCol="0">
+            <a:spAutoFit/>
+          </a:bodyPr>
+          <a:lstStyle/>
+          <a:p>
+            <a:r>
+              <a:rPr lang="en-US" dirty="0"/>
+              <a:t>Fetch data from GIT API</a:t>
+            </a:r>
+          </a:p>
+        </p:txBody>
+      </p:sp>
+      <p:pic>
+        <p:nvPicPr>
+          <p:cNvPr id="3074" name="Picture 2" descr="page1image40632320">
+            <a:extLst>
+              <a:ext uri="{FF2B5EF4-FFF2-40B4-BE49-F238E27FC236}">
+                <a16:creationId xmlns:a16="http://schemas.microsoft.com/office/drawing/2014/main" id="{8AD1C7CA-39F6-330C-F773-50637E47B05C}"/>
               </a:ext>
             </a:extLst>
           </p:cNvPr>
@@ -6825,7 +7503,7 @@
           <p:nvPr/>
         </p:nvPicPr>
         <p:blipFill>
-          <a:blip r:embed="rId3">
+          <a:blip r:embed="rId4">
             <a:extLst>
               <a:ext uri="{28A0092B-C50C-407E-A947-70E740481C1C}">
                 <a14:useLocalDpi xmlns:a14="http://schemas.microsoft.com/office/drawing/2010/main" val="0"/>
@@ -6839,8 +7517,8 @@
         </p:blipFill>
         <p:spPr bwMode="auto">
           <a:xfrm>
-            <a:off x="4271327" y="5425758"/>
-            <a:ext cx="3898231" cy="1034651"/>
+            <a:off x="3317358" y="3375334"/>
+            <a:ext cx="5448300" cy="393700"/>
           </a:xfrm>
           <a:prstGeom prst="rect">
             <a:avLst/>
@@ -6859,10 +7537,10 @@
       </p:pic>
       <p:sp>
         <p:nvSpPr>
-          <p:cNvPr id="12" name="TextBox 11">
+          <p:cNvPr id="14" name="TextBox 13">
             <a:extLst>
               <a:ext uri="{FF2B5EF4-FFF2-40B4-BE49-F238E27FC236}">
-                <a16:creationId xmlns:a16="http://schemas.microsoft.com/office/drawing/2014/main" id="{1BA23009-39BF-E5D7-15FF-EAABF170F52B}"/>
+                <a16:creationId xmlns:a16="http://schemas.microsoft.com/office/drawing/2014/main" id="{A636353F-4404-CB98-71DB-430F49C88A1A}"/>
               </a:ext>
             </a:extLst>
           </p:cNvPr>
@@ -6871,8 +7549,8 @@
         </p:nvSpPr>
         <p:spPr>
           <a:xfrm>
-            <a:off x="4678691" y="4410723"/>
-            <a:ext cx="2822247" cy="369332"/>
+            <a:off x="3317358" y="3014887"/>
+            <a:ext cx="3893695" cy="369332"/>
           </a:xfrm>
           <a:prstGeom prst="rect">
             <a:avLst/>
@@ -6887,145 +7565,7 @@
           <a:p>
             <a:r>
               <a:rPr lang="en-US" dirty="0"/>
-              <a:t>Text to speech code snippet</a:t>
-            </a:r>
-          </a:p>
-        </p:txBody>
-      </p:sp>
-      <p:sp>
-        <p:nvSpPr>
-          <p:cNvPr id="14" name="TextBox 13">
-            <a:extLst>
-              <a:ext uri="{FF2B5EF4-FFF2-40B4-BE49-F238E27FC236}">
-                <a16:creationId xmlns:a16="http://schemas.microsoft.com/office/drawing/2014/main" id="{CE22A5E4-F49A-19D7-76D7-B779463C9B85}"/>
-              </a:ext>
-            </a:extLst>
-          </p:cNvPr>
-          <p:cNvSpPr txBox="1"/>
-          <p:nvPr/>
-        </p:nvSpPr>
-        <p:spPr>
-          <a:xfrm>
-            <a:off x="581192" y="1895382"/>
-            <a:ext cx="2627642" cy="369332"/>
-          </a:xfrm>
-          <a:prstGeom prst="rect">
-            <a:avLst/>
-          </a:prstGeom>
-          <a:noFill/>
-        </p:spPr>
-        <p:txBody>
-          <a:bodyPr wrap="none" rtlCol="0">
-            <a:spAutoFit/>
-          </a:bodyPr>
-          <a:lstStyle/>
-          <a:p>
-            <a:r>
-              <a:rPr lang="en-US" dirty="0"/>
-              <a:t>Text to speech application</a:t>
-            </a:r>
-          </a:p>
-        </p:txBody>
-      </p:sp>
-      <p:pic>
-        <p:nvPicPr>
-          <p:cNvPr id="15" name="Picture 14">
-            <a:extLst>
-              <a:ext uri="{FF2B5EF4-FFF2-40B4-BE49-F238E27FC236}">
-                <a16:creationId xmlns:a16="http://schemas.microsoft.com/office/drawing/2014/main" id="{57A16940-8454-2F57-36DA-428357579291}"/>
-              </a:ext>
-            </a:extLst>
-          </p:cNvPr>
-          <p:cNvPicPr>
-            <a:picLocks noChangeAspect="1"/>
-          </p:cNvPicPr>
-          <p:nvPr/>
-        </p:nvPicPr>
-        <p:blipFill>
-          <a:blip r:embed="rId4"/>
-          <a:stretch>
-            <a:fillRect/>
-          </a:stretch>
-        </p:blipFill>
-        <p:spPr>
-          <a:xfrm>
-            <a:off x="3009616" y="4945195"/>
-            <a:ext cx="8982643" cy="393700"/>
-          </a:xfrm>
-          <a:prstGeom prst="rect">
-            <a:avLst/>
-          </a:prstGeom>
-        </p:spPr>
-      </p:pic>
-      <p:sp>
-        <p:nvSpPr>
-          <p:cNvPr id="16" name="TextBox 15">
-            <a:extLst>
-              <a:ext uri="{FF2B5EF4-FFF2-40B4-BE49-F238E27FC236}">
-                <a16:creationId xmlns:a16="http://schemas.microsoft.com/office/drawing/2014/main" id="{1DBFB01A-CD47-2370-5D70-CA64AE170C8C}"/>
-              </a:ext>
-            </a:extLst>
-          </p:cNvPr>
-          <p:cNvSpPr txBox="1"/>
-          <p:nvPr/>
-        </p:nvSpPr>
-        <p:spPr>
-          <a:xfrm>
-            <a:off x="3323539" y="2783673"/>
-            <a:ext cx="8287269" cy="1200329"/>
-          </a:xfrm>
-          <a:prstGeom prst="rect">
-            <a:avLst/>
-          </a:prstGeom>
-          <a:noFill/>
-        </p:spPr>
-        <p:txBody>
-          <a:bodyPr wrap="none" rtlCol="0">
-            <a:spAutoFit/>
-          </a:bodyPr>
-          <a:lstStyle/>
-          <a:p>
-            <a:pPr marL="285750" indent="-285750">
-              <a:buFont typeface="Arial" panose="020B0604020202020204" pitchFamily="34" charset="0"/>
-              <a:buChar char="•"/>
-            </a:pPr>
-            <a:r>
-              <a:rPr lang="en-US" dirty="0"/>
-              <a:t>User input is converted to text when clicked on speak button</a:t>
-            </a:r>
-          </a:p>
-          <a:p>
-            <a:pPr marL="285750" indent="-285750">
-              <a:buFont typeface="Arial" panose="020B0604020202020204" pitchFamily="34" charset="0"/>
-              <a:buChar char="•"/>
-            </a:pPr>
-            <a:r>
-              <a:rPr lang="en-US" dirty="0"/>
-              <a:t>Using </a:t>
-            </a:r>
-            <a:r>
-              <a:rPr lang="en-US" dirty="0" err="1"/>
-              <a:t>TextToSpeech</a:t>
-            </a:r>
-            <a:r>
-              <a:rPr lang="en-US" dirty="0"/>
-              <a:t> listener is successfully initialized we set the desired speech rate</a:t>
-            </a:r>
-          </a:p>
-          <a:p>
-            <a:r>
-              <a:rPr lang="en-US" dirty="0"/>
-              <a:t>     and add the text to Queue.</a:t>
-            </a:r>
-          </a:p>
-          <a:p>
-            <a:pPr marL="285750" indent="-285750">
-              <a:buFont typeface="Arial" panose="020B0604020202020204" pitchFamily="34" charset="0"/>
-              <a:buChar char="•"/>
-            </a:pPr>
-            <a:r>
-              <a:rPr lang="en-US" dirty="0"/>
-              <a:t>The input text entered is heard in audio format. </a:t>
+              <a:t>Permission to access data from internet</a:t>
             </a:r>
           </a:p>
         </p:txBody>
@@ -7033,7 +7573,7 @@
     </p:spTree>
     <p:extLst>
       <p:ext uri="{BB962C8B-B14F-4D97-AF65-F5344CB8AC3E}">
-        <p14:creationId xmlns:p14="http://schemas.microsoft.com/office/powerpoint/2010/main" val="1870098741"/>
+        <p14:creationId xmlns:p14="http://schemas.microsoft.com/office/powerpoint/2010/main" val="3547863134"/>
       </p:ext>
     </p:extLst>
   </p:cSld>
@@ -7046,14 +7586,6 @@
 <file path=ppt/slides/slide9.xml><?xml version="1.0" encoding="utf-8"?>
 <p:sld xmlns:a="http://schemas.openxmlformats.org/drawingml/2006/main" xmlns:r="http://schemas.openxmlformats.org/officeDocument/2006/relationships" xmlns:p="http://schemas.openxmlformats.org/presentationml/2006/main">
   <p:cSld>
-    <p:bg>
-      <p:bgPr>
-        <a:solidFill>
-          <a:schemeClr val="bg1"/>
-        </a:solidFill>
-        <a:effectLst/>
-      </p:bgPr>
-    </p:bg>
     <p:spTree>
       <p:nvGrpSpPr>
         <p:cNvPr id="1" name=""/>
@@ -7070,485 +7602,314 @@
       </p:grpSpPr>
       <p:sp>
         <p:nvSpPr>
-          <p:cNvPr id="8" name="Rectangle 7">
+          <p:cNvPr id="2" name="Title 1">
             <a:extLst>
               <a:ext uri="{FF2B5EF4-FFF2-40B4-BE49-F238E27FC236}">
-                <a16:creationId xmlns:a16="http://schemas.microsoft.com/office/drawing/2014/main" id="{3018A306-443B-4844-9884-D3E2C3B37171}"/>
-              </a:ext>
-              <a:ext uri="{C183D7F6-B498-43B3-948B-1728B52AA6E4}">
-                <adec:decorative xmlns:adec="http://schemas.microsoft.com/office/drawing/2017/decorative" val="1"/>
+                <a16:creationId xmlns:a16="http://schemas.microsoft.com/office/drawing/2014/main" id="{95E26FB5-116B-E740-AA52-7956FA6EE414}"/>
               </a:ext>
             </a:extLst>
           </p:cNvPr>
           <p:cNvSpPr>
-            <a:spLocks noGrp="1" noRot="1" noChangeAspect="1" noMove="1" noResize="1" noEditPoints="1" noAdjustHandles="1" noChangeArrowheads="1" noChangeShapeType="1" noTextEdit="1"/>
-          </p:cNvSpPr>
-          <p:nvPr>
-            <p:extLst>
-              <p:ext uri="{386F3935-93C4-4BCD-93E2-E3B085C9AB24}">
-                <p16:designElem xmlns:p16="http://schemas.microsoft.com/office/powerpoint/2015/main" val="1"/>
-              </p:ext>
-            </p:extLst>
-          </p:nvPr>
-        </p:nvSpPr>
-        <p:spPr>
-          <a:xfrm>
-            <a:off x="446534" y="457200"/>
-            <a:ext cx="3703320" cy="94997"/>
+            <a:spLocks noGrp="1"/>
+          </p:cNvSpPr>
+          <p:nvPr>
+            <p:ph type="title"/>
+          </p:nvPr>
+        </p:nvSpPr>
+        <p:spPr>
+          <a:xfrm>
+            <a:off x="581192" y="702156"/>
+            <a:ext cx="11029616" cy="1013800"/>
+          </a:xfrm>
+        </p:spPr>
+        <p:txBody>
+          <a:bodyPr>
+            <a:normAutofit/>
+          </a:bodyPr>
+          <a:lstStyle/>
+          <a:p>
+            <a:r>
+              <a:rPr lang="en-US" dirty="0">
+                <a:solidFill>
+                  <a:schemeClr val="accent2"/>
+                </a:solidFill>
+              </a:rPr>
+              <a:t>Text to speech</a:t>
+            </a:r>
+          </a:p>
+        </p:txBody>
+      </p:sp>
+      <p:pic>
+        <p:nvPicPr>
+          <p:cNvPr id="4099" name="Picture 3" descr="page5image40553104">
+            <a:extLst>
+              <a:ext uri="{FF2B5EF4-FFF2-40B4-BE49-F238E27FC236}">
+                <a16:creationId xmlns:a16="http://schemas.microsoft.com/office/drawing/2014/main" id="{BDE06E8B-C5F3-0562-5AB4-937FCE8BC0EE}"/>
+              </a:ext>
+            </a:extLst>
+          </p:cNvPr>
+          <p:cNvPicPr>
+            <a:picLocks noChangeAspect="1" noChangeArrowheads="1"/>
+          </p:cNvPicPr>
+          <p:nvPr/>
+        </p:nvPicPr>
+        <p:blipFill>
+          <a:blip r:embed="rId2">
+            <a:extLst>
+              <a:ext uri="{28A0092B-C50C-407E-A947-70E740481C1C}">
+                <a14:useLocalDpi xmlns:a14="http://schemas.microsoft.com/office/drawing/2010/main" val="0"/>
+              </a:ext>
+            </a:extLst>
+          </a:blip>
+          <a:srcRect/>
+          <a:stretch>
+            <a:fillRect/>
+          </a:stretch>
+        </p:blipFill>
+        <p:spPr bwMode="auto">
+          <a:xfrm>
+            <a:off x="581192" y="2332174"/>
+            <a:ext cx="2189371" cy="4128262"/>
           </a:xfrm>
           <a:prstGeom prst="rect">
             <a:avLst/>
           </a:prstGeom>
-          <a:solidFill>
-            <a:schemeClr val="accent1"/>
-          </a:solidFill>
-          <a:ln>
-            <a:noFill/>
-          </a:ln>
-          <a:effectLst/>
-        </p:spPr>
-        <p:style>
-          <a:lnRef idx="1">
-            <a:schemeClr val="accent1"/>
-          </a:lnRef>
-          <a:fillRef idx="3">
-            <a:schemeClr val="accent1"/>
-          </a:fillRef>
-          <a:effectRef idx="2">
-            <a:schemeClr val="accent1"/>
-          </a:effectRef>
-          <a:fontRef idx="minor">
-            <a:schemeClr val="lt1"/>
-          </a:fontRef>
-        </p:style>
-      </p:sp>
-      <p:sp>
-        <p:nvSpPr>
-          <p:cNvPr id="10" name="Rectangle 9">
+          <a:noFill/>
+          <a:extLst>
+            <a:ext uri="{909E8E84-426E-40DD-AFC4-6F175D3DCCD1}">
+              <a14:hiddenFill xmlns:a14="http://schemas.microsoft.com/office/drawing/2010/main">
+                <a:solidFill>
+                  <a:srgbClr val="FFFFFF"/>
+                </a:solidFill>
+              </a14:hiddenFill>
+            </a:ext>
+          </a:extLst>
+        </p:spPr>
+      </p:pic>
+      <p:pic>
+        <p:nvPicPr>
+          <p:cNvPr id="4102" name="Picture 6" descr="page4image40668624">
             <a:extLst>
               <a:ext uri="{FF2B5EF4-FFF2-40B4-BE49-F238E27FC236}">
-                <a16:creationId xmlns:a16="http://schemas.microsoft.com/office/drawing/2014/main" id="{3F430D2A-93AA-410C-B1BB-98FEA2990778}"/>
-              </a:ext>
-              <a:ext uri="{C183D7F6-B498-43B3-948B-1728B52AA6E4}">
-                <adec:decorative xmlns:adec="http://schemas.microsoft.com/office/drawing/2017/decorative" val="1"/>
+                <a16:creationId xmlns:a16="http://schemas.microsoft.com/office/drawing/2014/main" id="{CC8B215D-15FB-09F0-BA97-165B0ACB8108}"/>
               </a:ext>
             </a:extLst>
           </p:cNvPr>
-          <p:cNvSpPr>
-            <a:spLocks noGrp="1" noRot="1" noChangeAspect="1" noMove="1" noResize="1" noEditPoints="1" noAdjustHandles="1" noChangeArrowheads="1" noChangeShapeType="1" noTextEdit="1"/>
-          </p:cNvSpPr>
-          <p:nvPr>
-            <p:extLst>
-              <p:ext uri="{386F3935-93C4-4BCD-93E2-E3B085C9AB24}">
-                <p16:designElem xmlns:p16="http://schemas.microsoft.com/office/powerpoint/2015/main" val="1"/>
-              </p:ext>
-            </p:extLst>
-          </p:nvPr>
-        </p:nvSpPr>
-        <p:spPr>
-          <a:xfrm>
-            <a:off x="8042147" y="453643"/>
-            <a:ext cx="3703320" cy="98554"/>
+          <p:cNvPicPr>
+            <a:picLocks noChangeAspect="1" noChangeArrowheads="1"/>
+          </p:cNvPicPr>
+          <p:nvPr/>
+        </p:nvPicPr>
+        <p:blipFill>
+          <a:blip r:embed="rId3">
+            <a:extLst>
+              <a:ext uri="{28A0092B-C50C-407E-A947-70E740481C1C}">
+                <a14:useLocalDpi xmlns:a14="http://schemas.microsoft.com/office/drawing/2010/main" val="0"/>
+              </a:ext>
+            </a:extLst>
+          </a:blip>
+          <a:srcRect/>
+          <a:stretch>
+            <a:fillRect/>
+          </a:stretch>
+        </p:blipFill>
+        <p:spPr bwMode="auto">
+          <a:xfrm>
+            <a:off x="4271327" y="5425758"/>
+            <a:ext cx="3898231" cy="1034651"/>
           </a:xfrm>
           <a:prstGeom prst="rect">
             <a:avLst/>
           </a:prstGeom>
-          <a:solidFill>
-            <a:schemeClr val="accent4"/>
-          </a:solidFill>
-          <a:ln>
-            <a:noFill/>
-          </a:ln>
-          <a:effectLst/>
-        </p:spPr>
-        <p:style>
-          <a:lnRef idx="1">
-            <a:schemeClr val="accent1"/>
-          </a:lnRef>
-          <a:fillRef idx="3">
-            <a:schemeClr val="accent1"/>
-          </a:fillRef>
-          <a:effectRef idx="2">
-            <a:schemeClr val="accent1"/>
-          </a:effectRef>
-          <a:fontRef idx="minor">
-            <a:schemeClr val="lt1"/>
-          </a:fontRef>
-        </p:style>
-      </p:sp>
-      <p:sp>
-        <p:nvSpPr>
-          <p:cNvPr id="12" name="Rectangle 11">
+          <a:noFill/>
+          <a:extLst>
+            <a:ext uri="{909E8E84-426E-40DD-AFC4-6F175D3DCCD1}">
+              <a14:hiddenFill xmlns:a14="http://schemas.microsoft.com/office/drawing/2010/main">
+                <a:solidFill>
+                  <a:srgbClr val="FFFFFF"/>
+                </a:solidFill>
+              </a14:hiddenFill>
+            </a:ext>
+          </a:extLst>
+        </p:spPr>
+      </p:pic>
+      <p:sp>
+        <p:nvSpPr>
+          <p:cNvPr id="12" name="TextBox 11">
             <a:extLst>
               <a:ext uri="{FF2B5EF4-FFF2-40B4-BE49-F238E27FC236}">
-                <a16:creationId xmlns:a16="http://schemas.microsoft.com/office/drawing/2014/main" id="{9A0EF52A-1A39-47D8-AA03-47A1C47BE33A}"/>
-              </a:ext>
-              <a:ext uri="{C183D7F6-B498-43B3-948B-1728B52AA6E4}">
-                <adec:decorative xmlns:adec="http://schemas.microsoft.com/office/drawing/2017/decorative" val="1"/>
+                <a16:creationId xmlns:a16="http://schemas.microsoft.com/office/drawing/2014/main" id="{1BA23009-39BF-E5D7-15FF-EAABF170F52B}"/>
               </a:ext>
             </a:extLst>
           </p:cNvPr>
-          <p:cNvSpPr>
-            <a:spLocks noGrp="1" noRot="1" noChangeAspect="1" noMove="1" noResize="1" noEditPoints="1" noAdjustHandles="1" noChangeArrowheads="1" noChangeShapeType="1" noTextEdit="1"/>
-          </p:cNvSpPr>
-          <p:nvPr>
-            <p:extLst>
-              <p:ext uri="{386F3935-93C4-4BCD-93E2-E3B085C9AB24}">
-                <p16:designElem xmlns:p16="http://schemas.microsoft.com/office/powerpoint/2015/main" val="1"/>
-              </p:ext>
-            </p:extLst>
-          </p:nvPr>
-        </p:nvSpPr>
-        <p:spPr>
-          <a:xfrm>
-            <a:off x="4241830" y="457200"/>
-            <a:ext cx="3703320" cy="91440"/>
+          <p:cNvSpPr txBox="1"/>
+          <p:nvPr/>
+        </p:nvSpPr>
+        <p:spPr>
+          <a:xfrm>
+            <a:off x="4678691" y="4410723"/>
+            <a:ext cx="2822247" cy="369332"/>
           </a:xfrm>
           <a:prstGeom prst="rect">
             <a:avLst/>
           </a:prstGeom>
-          <a:solidFill>
-            <a:schemeClr val="accent2"/>
-          </a:solidFill>
-          <a:ln>
-            <a:noFill/>
-          </a:ln>
-          <a:effectLst/>
-        </p:spPr>
-        <p:style>
-          <a:lnRef idx="1">
-            <a:schemeClr val="accent1"/>
-          </a:lnRef>
-          <a:fillRef idx="3">
-            <a:schemeClr val="accent1"/>
-          </a:fillRef>
-          <a:effectRef idx="2">
-            <a:schemeClr val="accent1"/>
-          </a:effectRef>
-          <a:fontRef idx="minor">
-            <a:schemeClr val="lt1"/>
-          </a:fontRef>
-        </p:style>
-      </p:sp>
-      <p:sp>
-        <p:nvSpPr>
-          <p:cNvPr id="14" name="Rectangle 13">
+          <a:noFill/>
+        </p:spPr>
+        <p:txBody>
+          <a:bodyPr wrap="none" rtlCol="0">
+            <a:spAutoFit/>
+          </a:bodyPr>
+          <a:lstStyle/>
+          <a:p>
+            <a:r>
+              <a:rPr lang="en-US" dirty="0"/>
+              <a:t>Text to speech code snippet</a:t>
+            </a:r>
+          </a:p>
+        </p:txBody>
+      </p:sp>
+      <p:sp>
+        <p:nvSpPr>
+          <p:cNvPr id="14" name="TextBox 13">
             <a:extLst>
               <a:ext uri="{FF2B5EF4-FFF2-40B4-BE49-F238E27FC236}">
-                <a16:creationId xmlns:a16="http://schemas.microsoft.com/office/drawing/2014/main" id="{896DE2E2-8696-47C1-8B42-A04B409BCF6C}"/>
-              </a:ext>
-              <a:ext uri="{C183D7F6-B498-43B3-948B-1728B52AA6E4}">
-                <adec:decorative xmlns:adec="http://schemas.microsoft.com/office/drawing/2017/decorative" val="1"/>
+                <a16:creationId xmlns:a16="http://schemas.microsoft.com/office/drawing/2014/main" id="{CE22A5E4-F49A-19D7-76D7-B779463C9B85}"/>
               </a:ext>
             </a:extLst>
           </p:cNvPr>
-          <p:cNvSpPr>
-            <a:spLocks noGrp="1" noRot="1" noChangeAspect="1" noMove="1" noResize="1" noEditPoints="1" noAdjustHandles="1" noChangeArrowheads="1" noChangeShapeType="1" noTextEdit="1"/>
-          </p:cNvSpPr>
-          <p:nvPr>
-            <p:extLst>
-              <p:ext uri="{386F3935-93C4-4BCD-93E2-E3B085C9AB24}">
-                <p16:designElem xmlns:p16="http://schemas.microsoft.com/office/powerpoint/2015/main" val="1"/>
-              </p:ext>
-            </p:extLst>
-          </p:nvPr>
-        </p:nvSpPr>
-        <p:spPr>
-          <a:xfrm>
-            <a:off x="446534" y="3085765"/>
-            <a:ext cx="11262866" cy="3304800"/>
+          <p:cNvSpPr txBox="1"/>
+          <p:nvPr/>
+        </p:nvSpPr>
+        <p:spPr>
+          <a:xfrm>
+            <a:off x="581192" y="1895382"/>
+            <a:ext cx="2627642" cy="369332"/>
           </a:xfrm>
           <a:prstGeom prst="rect">
             <a:avLst/>
           </a:prstGeom>
-          <a:solidFill>
-            <a:schemeClr val="accent1"/>
-          </a:solidFill>
-          <a:ln>
-            <a:noFill/>
-          </a:ln>
-          <a:effectLst/>
-        </p:spPr>
-        <p:style>
-          <a:lnRef idx="1">
-            <a:schemeClr val="accent1"/>
-          </a:lnRef>
-          <a:fillRef idx="3">
-            <a:schemeClr val="accent1"/>
-          </a:fillRef>
-          <a:effectRef idx="2">
-            <a:schemeClr val="accent1"/>
-          </a:effectRef>
-          <a:fontRef idx="minor">
-            <a:schemeClr val="lt1"/>
-          </a:fontRef>
-        </p:style>
-      </p:sp>
-      <p:sp useBgFill="1">
-        <p:nvSpPr>
-          <p:cNvPr id="16" name="Rectangle 15">
+          <a:noFill/>
+        </p:spPr>
+        <p:txBody>
+          <a:bodyPr wrap="none" rtlCol="0">
+            <a:spAutoFit/>
+          </a:bodyPr>
+          <a:lstStyle/>
+          <a:p>
+            <a:r>
+              <a:rPr lang="en-US" dirty="0"/>
+              <a:t>Text to speech application</a:t>
+            </a:r>
+          </a:p>
+        </p:txBody>
+      </p:sp>
+      <p:pic>
+        <p:nvPicPr>
+          <p:cNvPr id="15" name="Picture 14">
             <a:extLst>
               <a:ext uri="{FF2B5EF4-FFF2-40B4-BE49-F238E27FC236}">
-                <a16:creationId xmlns:a16="http://schemas.microsoft.com/office/drawing/2014/main" id="{9DD60C94-0C9C-47B7-BE88-045235ACCC6A}"/>
-              </a:ext>
-              <a:ext uri="{C183D7F6-B498-43B3-948B-1728B52AA6E4}">
-                <adec:decorative xmlns:adec="http://schemas.microsoft.com/office/drawing/2017/decorative" val="1"/>
+                <a16:creationId xmlns:a16="http://schemas.microsoft.com/office/drawing/2014/main" id="{57A16940-8454-2F57-36DA-428357579291}"/>
               </a:ext>
             </a:extLst>
           </p:cNvPr>
-          <p:cNvSpPr>
-            <a:spLocks noGrp="1" noRot="1" noChangeAspect="1" noMove="1" noResize="1" noEditPoints="1" noAdjustHandles="1" noChangeArrowheads="1" noChangeShapeType="1" noTextEdit="1"/>
-          </p:cNvSpPr>
-          <p:nvPr>
-            <p:extLst>
-              <p:ext uri="{386F3935-93C4-4BCD-93E2-E3B085C9AB24}">
-                <p16:designElem xmlns:p16="http://schemas.microsoft.com/office/powerpoint/2015/main" val="1"/>
-              </p:ext>
-            </p:extLst>
-          </p:nvPr>
-        </p:nvSpPr>
-        <p:spPr>
-          <a:xfrm>
-            <a:off x="0" y="0"/>
-            <a:ext cx="12192000" cy="6858000"/>
+          <p:cNvPicPr>
+            <a:picLocks noChangeAspect="1"/>
+          </p:cNvPicPr>
+          <p:nvPr/>
+        </p:nvPicPr>
+        <p:blipFill>
+          <a:blip r:embed="rId4"/>
+          <a:stretch>
+            <a:fillRect/>
+          </a:stretch>
+        </p:blipFill>
+        <p:spPr>
+          <a:xfrm>
+            <a:off x="3009616" y="4945195"/>
+            <a:ext cx="8982643" cy="393700"/>
           </a:xfrm>
           <a:prstGeom prst="rect">
             <a:avLst/>
           </a:prstGeom>
-          <a:ln>
-            <a:noFill/>
-          </a:ln>
-        </p:spPr>
-        <p:style>
-          <a:lnRef idx="2">
-            <a:schemeClr val="accent1">
-              <a:shade val="50000"/>
-            </a:schemeClr>
-          </a:lnRef>
-          <a:fillRef idx="1">
-            <a:schemeClr val="accent1"/>
-          </a:fillRef>
-          <a:effectRef idx="0">
-            <a:schemeClr val="accent1"/>
-          </a:effectRef>
-          <a:fontRef idx="minor">
-            <a:schemeClr val="lt1"/>
-          </a:fontRef>
-        </p:style>
-        <p:txBody>
-          <a:bodyPr rtlCol="0" anchor="ctr"/>
-          <a:lstStyle/>
-          <a:p>
-            <a:pPr algn="ctr"/>
-            <a:endParaRPr lang="en-US"/>
-          </a:p>
-        </p:txBody>
-      </p:sp>
-      <p:sp>
-        <p:nvSpPr>
-          <p:cNvPr id="2" name="Title 1">
+        </p:spPr>
+      </p:pic>
+      <p:sp>
+        <p:nvSpPr>
+          <p:cNvPr id="16" name="TextBox 15">
             <a:extLst>
               <a:ext uri="{FF2B5EF4-FFF2-40B4-BE49-F238E27FC236}">
-                <a16:creationId xmlns:a16="http://schemas.microsoft.com/office/drawing/2014/main" id="{813764A3-E440-EB4F-B321-B2D177D9CA2B}"/>
+                <a16:creationId xmlns:a16="http://schemas.microsoft.com/office/drawing/2014/main" id="{1DBFB01A-CD47-2370-5D70-CA64AE170C8C}"/>
               </a:ext>
             </a:extLst>
           </p:cNvPr>
-          <p:cNvSpPr>
-            <a:spLocks noGrp="1"/>
-          </p:cNvSpPr>
-          <p:nvPr>
-            <p:ph type="title"/>
-          </p:nvPr>
-        </p:nvSpPr>
-        <p:spPr>
-          <a:xfrm>
-            <a:off x="3643086" y="1575121"/>
-            <a:ext cx="4771709" cy="3654081"/>
-          </a:xfrm>
-        </p:spPr>
-        <p:txBody>
-          <a:bodyPr vert="horz" lIns="91440" tIns="45720" rIns="91440" bIns="45720" rtlCol="0" anchor="ctr">
-            <a:normAutofit/>
-          </a:bodyPr>
-          <a:lstStyle/>
-          <a:p>
-            <a:r>
-              <a:rPr lang="en-US" sz="5400" dirty="0">
-                <a:solidFill>
-                  <a:schemeClr val="tx2"/>
-                </a:solidFill>
-              </a:rPr>
-              <a:t>Thank you!</a:t>
-            </a:r>
-          </a:p>
-        </p:txBody>
-      </p:sp>
-      <p:sp>
-        <p:nvSpPr>
-          <p:cNvPr id="18" name="Rectangle 17">
-            <a:extLst>
-              <a:ext uri="{FF2B5EF4-FFF2-40B4-BE49-F238E27FC236}">
-                <a16:creationId xmlns:a16="http://schemas.microsoft.com/office/drawing/2014/main" id="{BFCF7016-AC99-433F-B943-24C3736E0602}"/>
-              </a:ext>
-              <a:ext uri="{C183D7F6-B498-43B3-948B-1728B52AA6E4}">
-                <adec:decorative xmlns:adec="http://schemas.microsoft.com/office/drawing/2017/decorative" val="1"/>
-              </a:ext>
-            </a:extLst>
-          </p:cNvPr>
-          <p:cNvSpPr>
-            <a:spLocks noGrp="1" noRot="1" noChangeAspect="1" noMove="1" noResize="1" noEditPoints="1" noAdjustHandles="1" noChangeArrowheads="1" noChangeShapeType="1" noTextEdit="1"/>
-          </p:cNvSpPr>
-          <p:nvPr>
-            <p:extLst>
-              <p:ext uri="{386F3935-93C4-4BCD-93E2-E3B085C9AB24}">
-                <p16:designElem xmlns:p16="http://schemas.microsoft.com/office/powerpoint/2015/main" val="1"/>
-              </p:ext>
-            </p:extLst>
-          </p:nvPr>
-        </p:nvSpPr>
-        <p:spPr>
-          <a:xfrm>
-            <a:off x="446533" y="457200"/>
-            <a:ext cx="7579574" cy="643614"/>
+          <p:cNvSpPr txBox="1"/>
+          <p:nvPr/>
+        </p:nvSpPr>
+        <p:spPr>
+          <a:xfrm>
+            <a:off x="3323539" y="2783673"/>
+            <a:ext cx="8287269" cy="1200329"/>
           </a:xfrm>
           <a:prstGeom prst="rect">
             <a:avLst/>
           </a:prstGeom>
-          <a:solidFill>
-            <a:schemeClr val="accent2"/>
-          </a:solidFill>
-          <a:ln>
-            <a:noFill/>
-          </a:ln>
-          <a:effectLst/>
-        </p:spPr>
-        <p:style>
-          <a:lnRef idx="1">
-            <a:schemeClr val="accent1"/>
-          </a:lnRef>
-          <a:fillRef idx="3">
-            <a:schemeClr val="accent1"/>
-          </a:fillRef>
-          <a:effectRef idx="2">
-            <a:schemeClr val="accent1"/>
-          </a:effectRef>
-          <a:fontRef idx="minor">
-            <a:schemeClr val="lt1"/>
-          </a:fontRef>
-        </p:style>
-      </p:sp>
-      <p:sp>
-        <p:nvSpPr>
-          <p:cNvPr id="20" name="Rectangle 19">
-            <a:extLst>
-              <a:ext uri="{FF2B5EF4-FFF2-40B4-BE49-F238E27FC236}">
-                <a16:creationId xmlns:a16="http://schemas.microsoft.com/office/drawing/2014/main" id="{A03737D1-A930-4E3E-9160-3CD4AEC72AB7}"/>
-              </a:ext>
-              <a:ext uri="{C183D7F6-B498-43B3-948B-1728B52AA6E4}">
-                <adec:decorative xmlns:adec="http://schemas.microsoft.com/office/drawing/2017/decorative" val="1"/>
-              </a:ext>
-            </a:extLst>
-          </p:cNvPr>
-          <p:cNvSpPr>
-            <a:spLocks noGrp="1" noRot="1" noChangeAspect="1" noMove="1" noResize="1" noEditPoints="1" noAdjustHandles="1" noChangeArrowheads="1" noChangeShapeType="1" noTextEdit="1"/>
-          </p:cNvSpPr>
-          <p:nvPr>
-            <p:extLst>
-              <p:ext uri="{386F3935-93C4-4BCD-93E2-E3B085C9AB24}">
-                <p16:designElem xmlns:p16="http://schemas.microsoft.com/office/powerpoint/2015/main" val="1"/>
-              </p:ext>
-            </p:extLst>
-          </p:nvPr>
-        </p:nvSpPr>
-        <p:spPr>
-          <a:xfrm>
-            <a:off x="8129871" y="453642"/>
-            <a:ext cx="3615596" cy="645113"/>
-          </a:xfrm>
-          <a:prstGeom prst="rect">
-            <a:avLst/>
-          </a:prstGeom>
-          <a:solidFill>
-            <a:schemeClr val="accent4"/>
-          </a:solidFill>
-          <a:ln>
-            <a:noFill/>
-          </a:ln>
-          <a:effectLst/>
-        </p:spPr>
-        <p:style>
-          <a:lnRef idx="1">
-            <a:schemeClr val="accent1"/>
-          </a:lnRef>
-          <a:fillRef idx="3">
-            <a:schemeClr val="accent1"/>
-          </a:fillRef>
-          <a:effectRef idx="2">
-            <a:schemeClr val="accent1"/>
-          </a:effectRef>
-          <a:fontRef idx="minor">
-            <a:schemeClr val="lt1"/>
-          </a:fontRef>
-        </p:style>
-      </p:sp>
-      <p:sp>
-        <p:nvSpPr>
-          <p:cNvPr id="22" name="Rectangle 21">
-            <a:extLst>
-              <a:ext uri="{FF2B5EF4-FFF2-40B4-BE49-F238E27FC236}">
-                <a16:creationId xmlns:a16="http://schemas.microsoft.com/office/drawing/2014/main" id="{F71CFF33-010E-4E26-A285-83B182982358}"/>
-              </a:ext>
-              <a:ext uri="{C183D7F6-B498-43B3-948B-1728B52AA6E4}">
-                <adec:decorative xmlns:adec="http://schemas.microsoft.com/office/drawing/2017/decorative" val="1"/>
-              </a:ext>
-            </a:extLst>
-          </p:cNvPr>
-          <p:cNvSpPr>
-            <a:spLocks noGrp="1" noRot="1" noChangeAspect="1" noMove="1" noResize="1" noEditPoints="1" noAdjustHandles="1" noChangeArrowheads="1" noChangeShapeType="1" noTextEdit="1"/>
-          </p:cNvSpPr>
-          <p:nvPr>
-            <p:extLst>
-              <p:ext uri="{386F3935-93C4-4BCD-93E2-E3B085C9AB24}">
-                <p16:designElem xmlns:p16="http://schemas.microsoft.com/office/powerpoint/2015/main" val="1"/>
-              </p:ext>
-            </p:extLst>
-          </p:nvPr>
-        </p:nvSpPr>
-        <p:spPr>
-          <a:xfrm>
-            <a:off x="446533" y="5707627"/>
-            <a:ext cx="11293913" cy="649224"/>
-          </a:xfrm>
-          <a:prstGeom prst="rect">
-            <a:avLst/>
-          </a:prstGeom>
-          <a:solidFill>
-            <a:schemeClr val="accent1"/>
-          </a:solidFill>
-          <a:ln>
-            <a:noFill/>
-          </a:ln>
-          <a:effectLst/>
-        </p:spPr>
-        <p:style>
-          <a:lnRef idx="1">
-            <a:schemeClr val="accent1"/>
-          </a:lnRef>
-          <a:fillRef idx="3">
-            <a:schemeClr val="accent1"/>
-          </a:fillRef>
-          <a:effectRef idx="2">
-            <a:schemeClr val="accent1"/>
-          </a:effectRef>
-          <a:fontRef idx="minor">
-            <a:schemeClr val="lt1"/>
-          </a:fontRef>
-        </p:style>
+          <a:noFill/>
+        </p:spPr>
+        <p:txBody>
+          <a:bodyPr wrap="none" rtlCol="0">
+            <a:spAutoFit/>
+          </a:bodyPr>
+          <a:lstStyle/>
+          <a:p>
+            <a:pPr marL="285750" indent="-285750">
+              <a:buFont typeface="Arial" panose="020B0604020202020204" pitchFamily="34" charset="0"/>
+              <a:buChar char="•"/>
+            </a:pPr>
+            <a:r>
+              <a:rPr lang="en-US" dirty="0"/>
+              <a:t>User input is converted to text when clicked on speak button</a:t>
+            </a:r>
+          </a:p>
+          <a:p>
+            <a:pPr marL="285750" indent="-285750">
+              <a:buFont typeface="Arial" panose="020B0604020202020204" pitchFamily="34" charset="0"/>
+              <a:buChar char="•"/>
+            </a:pPr>
+            <a:r>
+              <a:rPr lang="en-US" dirty="0"/>
+              <a:t>Using </a:t>
+            </a:r>
+            <a:r>
+              <a:rPr lang="en-US" dirty="0" err="1"/>
+              <a:t>TextToSpeech</a:t>
+            </a:r>
+            <a:r>
+              <a:rPr lang="en-US" dirty="0"/>
+              <a:t> listener is successfully initialized we set the desired speech rate</a:t>
+            </a:r>
+          </a:p>
+          <a:p>
+            <a:r>
+              <a:rPr lang="en-US" dirty="0"/>
+              <a:t>     and add the text to Queue.</a:t>
+            </a:r>
+          </a:p>
+          <a:p>
+            <a:pPr marL="285750" indent="-285750">
+              <a:buFont typeface="Arial" panose="020B0604020202020204" pitchFamily="34" charset="0"/>
+              <a:buChar char="•"/>
+            </a:pPr>
+            <a:r>
+              <a:rPr lang="en-US" dirty="0"/>
+              <a:t>The input text entered is heard in audio format. </a:t>
+            </a:r>
+          </a:p>
+        </p:txBody>
       </p:sp>
     </p:spTree>
     <p:extLst>
       <p:ext uri="{BB962C8B-B14F-4D97-AF65-F5344CB8AC3E}">
-        <p14:creationId xmlns:p14="http://schemas.microsoft.com/office/powerpoint/2010/main" val="859930382"/>
+        <p14:creationId xmlns:p14="http://schemas.microsoft.com/office/powerpoint/2010/main" val="1870098741"/>
       </p:ext>
     </p:extLst>
   </p:cSld>
